--- a/Hanium_AI_Introduction/Temp/DB_Modeling.pptx
+++ b/Hanium_AI_Introduction/Temp/DB_Modeling.pptx
@@ -7,6 +7,7 @@
   <p:sldIdLst>
     <p:sldId id="262" r:id="rId2"/>
     <p:sldId id="263" r:id="rId3"/>
+    <p:sldId id="264" r:id="rId4"/>
   </p:sldIdLst>
   <p:sldSz cx="12192000" cy="6858000"/>
   <p:notesSz cx="6858000" cy="9144000"/>
@@ -5346,6 +5347,123 @@
 </p:sld>
 </file>
 
+<file path=ppt/slides/slide3.xml><?xml version="1.0" encoding="utf-8"?>
+<p:sld xmlns:a="http://schemas.openxmlformats.org/drawingml/2006/main" xmlns:r="http://schemas.openxmlformats.org/officeDocument/2006/relationships" xmlns:p="http://schemas.openxmlformats.org/presentationml/2006/main">
+  <p:cSld>
+    <p:spTree>
+      <p:nvGrpSpPr>
+        <p:cNvPr id="1" name=""/>
+        <p:cNvGrpSpPr/>
+        <p:nvPr/>
+      </p:nvGrpSpPr>
+      <p:grpSpPr>
+        <a:xfrm>
+          <a:off x="0" y="0"/>
+          <a:ext cx="0" cy="0"/>
+          <a:chOff x="0" y="0"/>
+          <a:chExt cx="0" cy="0"/>
+        </a:xfrm>
+      </p:grpSpPr>
+      <p:sp>
+        <p:nvSpPr>
+          <p:cNvPr id="31" name="TextBox 30">
+            <a:extLst>
+              <a:ext uri="{FF2B5EF4-FFF2-40B4-BE49-F238E27FC236}">
+                <a16:creationId xmlns:a16="http://schemas.microsoft.com/office/drawing/2014/main" id="{AC51FAD3-A513-4403-B79D-03C3914BAF57}"/>
+              </a:ext>
+            </a:extLst>
+          </p:cNvPr>
+          <p:cNvSpPr txBox="1"/>
+          <p:nvPr/>
+        </p:nvSpPr>
+        <p:spPr>
+          <a:xfrm>
+            <a:off x="236292" y="248877"/>
+            <a:ext cx="7758416" cy="923330"/>
+          </a:xfrm>
+          <a:prstGeom prst="rect">
+            <a:avLst/>
+          </a:prstGeom>
+          <a:noFill/>
+          <a:ln w="38100">
+            <a:solidFill>
+              <a:schemeClr val="tx1"/>
+            </a:solidFill>
+          </a:ln>
+        </p:spPr>
+        <p:txBody>
+          <a:bodyPr wrap="square" rtlCol="0">
+            <a:spAutoFit/>
+          </a:bodyPr>
+          <a:lstStyle/>
+          <a:p>
+            <a:r>
+              <a:rPr lang="ko-KR" altLang="en-US" b="1" dirty="0"/>
+              <a:t>참고자료</a:t>
+            </a:r>
+            <a:endParaRPr lang="en-US" altLang="ko-KR" b="1" dirty="0"/>
+          </a:p>
+          <a:p>
+            <a:r>
+              <a:rPr lang="ko-KR" altLang="en-US" b="1" dirty="0"/>
+              <a:t>슬라이드</a:t>
+            </a:r>
+            <a:r>
+              <a:rPr lang="en-US" altLang="ko-KR" b="1" dirty="0"/>
+              <a:t>4 </a:t>
+            </a:r>
+            <a:r>
+              <a:rPr lang="ko-KR" altLang="en-US" b="1" dirty="0"/>
+              <a:t>참고</a:t>
+            </a:r>
+            <a:r>
+              <a:rPr lang="en-US" altLang="ko-KR" b="1" dirty="0"/>
+              <a:t>: </a:t>
+            </a:r>
+            <a:r>
+              <a:rPr lang="en-US" altLang="ko-KR" dirty="0">
+                <a:hlinkClick r:id="rId2"/>
+              </a:rPr>
+              <a:t>https://www.slideshare.net/the1900/db-43403427</a:t>
+            </a:r>
+            <a:endParaRPr lang="en-US" altLang="ko-KR" dirty="0"/>
+          </a:p>
+          <a:p>
+            <a:r>
+              <a:rPr lang="en-US" altLang="ko-KR" b="1" dirty="0"/>
+              <a:t>ER-Diagram </a:t>
+            </a:r>
+            <a:r>
+              <a:rPr lang="ko-KR" altLang="en-US" b="1" dirty="0"/>
+              <a:t>참고</a:t>
+            </a:r>
+            <a:r>
+              <a:rPr lang="en-US" altLang="ko-KR" b="1" dirty="0"/>
+              <a:t>: </a:t>
+            </a:r>
+            <a:r>
+              <a:rPr lang="en-US" altLang="ko-KR" dirty="0">
+                <a:hlinkClick r:id="rId3"/>
+              </a:rPr>
+              <a:t>https://m.blog.naver.com/gongtong/150135598792</a:t>
+            </a:r>
+            <a:endParaRPr lang="en-US" altLang="ko-KR" b="1" dirty="0"/>
+          </a:p>
+        </p:txBody>
+      </p:sp>
+    </p:spTree>
+    <p:extLst>
+      <p:ext uri="{BB962C8B-B14F-4D97-AF65-F5344CB8AC3E}">
+        <p14:creationId xmlns:p14="http://schemas.microsoft.com/office/powerpoint/2010/main" val="1798074735"/>
+      </p:ext>
+    </p:extLst>
+  </p:cSld>
+  <p:clrMapOvr>
+    <a:masterClrMapping/>
+  </p:clrMapOvr>
+</p:sld>
+</file>
+
 <file path=ppt/theme/theme1.xml><?xml version="1.0" encoding="utf-8"?>
 <a:theme xmlns:a="http://schemas.openxmlformats.org/drawingml/2006/main" name="Office 테마">
   <a:themeElements>

--- a/Hanium_AI_Introduction/Temp/DB_Modeling.pptx
+++ b/Hanium_AI_Introduction/Temp/DB_Modeling.pptx
@@ -5,8 +5,8 @@
     <p:sldMasterId id="2147483648" r:id="rId1"/>
   </p:sldMasterIdLst>
   <p:sldIdLst>
-    <p:sldId id="262" r:id="rId2"/>
-    <p:sldId id="263" r:id="rId3"/>
+    <p:sldId id="263" r:id="rId2"/>
+    <p:sldId id="265" r:id="rId3"/>
     <p:sldId id="264" r:id="rId4"/>
   </p:sldIdLst>
   <p:sldSz cx="12192000" cy="6858000"/>
@@ -261,7 +261,7 @@
           <a:p>
             <a:fld id="{6CD1631F-B4E4-4586-B174-3C01B9C4BB6E}" type="datetimeFigureOut">
               <a:rPr lang="ko-KR" altLang="en-US" smtClean="0"/>
-              <a:t>2020-07-27</a:t>
+              <a:t>2020-07-28</a:t>
             </a:fld>
             <a:endParaRPr lang="ko-KR" altLang="en-US"/>
           </a:p>
@@ -459,7 +459,7 @@
           <a:p>
             <a:fld id="{6CD1631F-B4E4-4586-B174-3C01B9C4BB6E}" type="datetimeFigureOut">
               <a:rPr lang="ko-KR" altLang="en-US" smtClean="0"/>
-              <a:t>2020-07-27</a:t>
+              <a:t>2020-07-28</a:t>
             </a:fld>
             <a:endParaRPr lang="ko-KR" altLang="en-US"/>
           </a:p>
@@ -667,7 +667,7 @@
           <a:p>
             <a:fld id="{6CD1631F-B4E4-4586-B174-3C01B9C4BB6E}" type="datetimeFigureOut">
               <a:rPr lang="ko-KR" altLang="en-US" smtClean="0"/>
-              <a:t>2020-07-27</a:t>
+              <a:t>2020-07-28</a:t>
             </a:fld>
             <a:endParaRPr lang="ko-KR" altLang="en-US"/>
           </a:p>
@@ -865,7 +865,7 @@
           <a:p>
             <a:fld id="{6CD1631F-B4E4-4586-B174-3C01B9C4BB6E}" type="datetimeFigureOut">
               <a:rPr lang="ko-KR" altLang="en-US" smtClean="0"/>
-              <a:t>2020-07-27</a:t>
+              <a:t>2020-07-28</a:t>
             </a:fld>
             <a:endParaRPr lang="ko-KR" altLang="en-US"/>
           </a:p>
@@ -1140,7 +1140,7 @@
           <a:p>
             <a:fld id="{6CD1631F-B4E4-4586-B174-3C01B9C4BB6E}" type="datetimeFigureOut">
               <a:rPr lang="ko-KR" altLang="en-US" smtClean="0"/>
-              <a:t>2020-07-27</a:t>
+              <a:t>2020-07-28</a:t>
             </a:fld>
             <a:endParaRPr lang="ko-KR" altLang="en-US"/>
           </a:p>
@@ -1405,7 +1405,7 @@
           <a:p>
             <a:fld id="{6CD1631F-B4E4-4586-B174-3C01B9C4BB6E}" type="datetimeFigureOut">
               <a:rPr lang="ko-KR" altLang="en-US" smtClean="0"/>
-              <a:t>2020-07-27</a:t>
+              <a:t>2020-07-28</a:t>
             </a:fld>
             <a:endParaRPr lang="ko-KR" altLang="en-US"/>
           </a:p>
@@ -1817,7 +1817,7 @@
           <a:p>
             <a:fld id="{6CD1631F-B4E4-4586-B174-3C01B9C4BB6E}" type="datetimeFigureOut">
               <a:rPr lang="ko-KR" altLang="en-US" smtClean="0"/>
-              <a:t>2020-07-27</a:t>
+              <a:t>2020-07-28</a:t>
             </a:fld>
             <a:endParaRPr lang="ko-KR" altLang="en-US"/>
           </a:p>
@@ -1958,7 +1958,7 @@
           <a:p>
             <a:fld id="{6CD1631F-B4E4-4586-B174-3C01B9C4BB6E}" type="datetimeFigureOut">
               <a:rPr lang="ko-KR" altLang="en-US" smtClean="0"/>
-              <a:t>2020-07-27</a:t>
+              <a:t>2020-07-28</a:t>
             </a:fld>
             <a:endParaRPr lang="ko-KR" altLang="en-US"/>
           </a:p>
@@ -2071,7 +2071,7 @@
           <a:p>
             <a:fld id="{6CD1631F-B4E4-4586-B174-3C01B9C4BB6E}" type="datetimeFigureOut">
               <a:rPr lang="ko-KR" altLang="en-US" smtClean="0"/>
-              <a:t>2020-07-27</a:t>
+              <a:t>2020-07-28</a:t>
             </a:fld>
             <a:endParaRPr lang="ko-KR" altLang="en-US"/>
           </a:p>
@@ -2382,7 +2382,7 @@
           <a:p>
             <a:fld id="{6CD1631F-B4E4-4586-B174-3C01B9C4BB6E}" type="datetimeFigureOut">
               <a:rPr lang="ko-KR" altLang="en-US" smtClean="0"/>
-              <a:t>2020-07-27</a:t>
+              <a:t>2020-07-28</a:t>
             </a:fld>
             <a:endParaRPr lang="ko-KR" altLang="en-US"/>
           </a:p>
@@ -2670,7 +2670,7 @@
           <a:p>
             <a:fld id="{6CD1631F-B4E4-4586-B174-3C01B9C4BB6E}" type="datetimeFigureOut">
               <a:rPr lang="ko-KR" altLang="en-US" smtClean="0"/>
-              <a:t>2020-07-27</a:t>
+              <a:t>2020-07-28</a:t>
             </a:fld>
             <a:endParaRPr lang="ko-KR" altLang="en-US"/>
           </a:p>
@@ -2911,7 +2911,7 @@
           <a:p>
             <a:fld id="{6CD1631F-B4E4-4586-B174-3C01B9C4BB6E}" type="datetimeFigureOut">
               <a:rPr lang="ko-KR" altLang="en-US" smtClean="0"/>
-              <a:t>2020-07-27</a:t>
+              <a:t>2020-07-28</a:t>
             </a:fld>
             <a:endParaRPr lang="ko-KR" altLang="en-US"/>
           </a:p>
@@ -3756,7 +3756,7 @@
         </p:nvGrpSpPr>
         <p:grpSpPr>
           <a:xfrm>
-            <a:off x="8175333" y="2418482"/>
+            <a:off x="8826512" y="3718776"/>
             <a:ext cx="2381827" cy="738664"/>
             <a:chOff x="7981371" y="1987210"/>
             <a:chExt cx="2224808" cy="738664"/>
@@ -3858,7 +3858,7 @@
         </p:nvGrpSpPr>
         <p:grpSpPr>
           <a:xfrm>
-            <a:off x="4647040" y="2788939"/>
+            <a:off x="4905086" y="4567405"/>
             <a:ext cx="2381827" cy="736413"/>
             <a:chOff x="7981371" y="2968461"/>
             <a:chExt cx="2224808" cy="736413"/>
@@ -3960,7 +3960,7 @@
         </p:nvGrpSpPr>
         <p:grpSpPr>
           <a:xfrm>
-            <a:off x="573523" y="2164515"/>
+            <a:off x="986410" y="3718776"/>
             <a:ext cx="2381827" cy="738664"/>
             <a:chOff x="7981371" y="3949712"/>
             <a:chExt cx="2224808" cy="738664"/>
@@ -4319,7 +4319,7 @@
     </p:spTree>
     <p:extLst>
       <p:ext uri="{BB962C8B-B14F-4D97-AF65-F5344CB8AC3E}">
-        <p14:creationId xmlns:p14="http://schemas.microsoft.com/office/powerpoint/2010/main" val="3757221750"/>
+        <p14:creationId xmlns:p14="http://schemas.microsoft.com/office/powerpoint/2010/main" val="1810577497"/>
       </p:ext>
     </p:extLst>
   </p:cSld>
@@ -4361,9 +4361,9 @@
         <p:grpSpPr>
           <a:xfrm>
             <a:off x="3324519" y="290822"/>
-            <a:ext cx="2381827" cy="1846660"/>
+            <a:ext cx="2381827" cy="2400657"/>
             <a:chOff x="887845" y="1033668"/>
-            <a:chExt cx="2224809" cy="1846660"/>
+            <a:chExt cx="2224809" cy="2400657"/>
           </a:xfrm>
         </p:grpSpPr>
         <p:sp>
@@ -4425,7 +4425,7 @@
           <p:spPr>
             <a:xfrm>
               <a:off x="887845" y="1403000"/>
-              <a:ext cx="2224809" cy="1477328"/>
+              <a:ext cx="2224809" cy="2031325"/>
             </a:xfrm>
             <a:prstGeom prst="rect">
               <a:avLst/>
@@ -4490,6 +4490,26 @@
               <a:r>
                 <a:rPr lang="en-US" altLang="ko-KR" b="1" dirty="0" err="1"/>
                 <a:t>User_ID</a:t>
+              </a:r>
+              <a:r>
+                <a:rPr lang="en-US" altLang="ko-KR" b="1" dirty="0"/>
+                <a:t>(FK)</a:t>
+              </a:r>
+            </a:p>
+            <a:p>
+              <a:r>
+                <a:rPr lang="en-US" altLang="ko-KR" b="1" dirty="0" err="1"/>
+                <a:t>Result_ID</a:t>
+              </a:r>
+              <a:r>
+                <a:rPr lang="en-US" altLang="ko-KR" b="1" dirty="0"/>
+                <a:t>(FK)</a:t>
+              </a:r>
+            </a:p>
+            <a:p>
+              <a:r>
+                <a:rPr lang="en-US" altLang="ko-KR" b="1" dirty="0" err="1"/>
+                <a:t>Tendency_ID</a:t>
               </a:r>
               <a:r>
                 <a:rPr lang="en-US" altLang="ko-KR" b="1" dirty="0"/>
@@ -4774,10 +4794,10 @@
         </p:nvGrpSpPr>
         <p:grpSpPr>
           <a:xfrm>
-            <a:off x="8175333" y="2418482"/>
-            <a:ext cx="2381827" cy="738664"/>
+            <a:off x="8826512" y="3718776"/>
+            <a:ext cx="2381827" cy="1015663"/>
             <a:chOff x="7981371" y="1987210"/>
-            <a:chExt cx="2224808" cy="738664"/>
+            <a:chExt cx="2224808" cy="1015663"/>
           </a:xfrm>
         </p:grpSpPr>
         <p:sp>
@@ -4839,7 +4859,7 @@
           <p:spPr>
             <a:xfrm>
               <a:off x="7981371" y="2356542"/>
-              <a:ext cx="2224808" cy="369332"/>
+              <a:ext cx="2224808" cy="646331"/>
             </a:xfrm>
             <a:prstGeom prst="rect">
               <a:avLst/>
@@ -4857,7 +4877,28 @@
             </a:bodyPr>
             <a:lstStyle/>
             <a:p>
-              <a:endParaRPr lang="en-US" altLang="ko-KR" b="1" dirty="0"/>
+              <a:r>
+                <a:rPr lang="en-US" altLang="ko-KR" b="1" dirty="0" err="1">
+                  <a:solidFill>
+                    <a:srgbClr val="FF0000"/>
+                  </a:solidFill>
+                </a:rPr>
+                <a:t>Tendency_ID</a:t>
+              </a:r>
+              <a:r>
+                <a:rPr lang="en-US" altLang="ko-KR" b="1" dirty="0">
+                  <a:solidFill>
+                    <a:srgbClr val="FF0000"/>
+                  </a:solidFill>
+                </a:rPr>
+                <a:t>(PK)</a:t>
+              </a:r>
+            </a:p>
+            <a:p>
+              <a:r>
+                <a:rPr lang="en-US" altLang="ko-KR" b="1" dirty="0"/>
+                <a:t>Tendency</a:t>
+              </a:r>
             </a:p>
           </p:txBody>
         </p:sp>
@@ -4876,10 +4917,10 @@
         </p:nvGrpSpPr>
         <p:grpSpPr>
           <a:xfrm>
-            <a:off x="4647040" y="2788939"/>
-            <a:ext cx="2381827" cy="736413"/>
+            <a:off x="4905086" y="4567405"/>
+            <a:ext cx="2381827" cy="1290411"/>
             <a:chOff x="7981371" y="2968461"/>
-            <a:chExt cx="2224808" cy="736413"/>
+            <a:chExt cx="2224808" cy="1290411"/>
           </a:xfrm>
         </p:grpSpPr>
         <p:sp>
@@ -4941,7 +4982,7 @@
           <p:spPr>
             <a:xfrm>
               <a:off x="7981371" y="3335542"/>
-              <a:ext cx="2224808" cy="369332"/>
+              <a:ext cx="2224808" cy="923330"/>
             </a:xfrm>
             <a:prstGeom prst="rect">
               <a:avLst/>
@@ -4959,7 +5000,38 @@
             </a:bodyPr>
             <a:lstStyle/>
             <a:p>
-              <a:endParaRPr lang="en-US" altLang="ko-KR" b="1" dirty="0"/>
+              <a:r>
+                <a:rPr lang="en-US" altLang="ko-KR" b="1" dirty="0" err="1">
+                  <a:solidFill>
+                    <a:srgbClr val="FF0000"/>
+                  </a:solidFill>
+                </a:rPr>
+                <a:t>Result_ID</a:t>
+              </a:r>
+              <a:r>
+                <a:rPr lang="en-US" altLang="ko-KR" b="1" dirty="0">
+                  <a:solidFill>
+                    <a:srgbClr val="FF0000"/>
+                  </a:solidFill>
+                </a:rPr>
+                <a:t>(PK)</a:t>
+              </a:r>
+            </a:p>
+            <a:p>
+              <a:r>
+                <a:rPr lang="en-US" altLang="ko-KR" b="1" dirty="0" err="1"/>
+                <a:t>Instruction_ID</a:t>
+              </a:r>
+              <a:r>
+                <a:rPr lang="en-US" altLang="ko-KR" b="1" dirty="0"/>
+                <a:t>(FK)</a:t>
+              </a:r>
+            </a:p>
+            <a:p>
+              <a:r>
+                <a:rPr lang="en-US" altLang="ko-KR" b="1" dirty="0"/>
+                <a:t>Result</a:t>
+              </a:r>
             </a:p>
           </p:txBody>
         </p:sp>
@@ -4978,7 +5050,7 @@
         </p:nvGrpSpPr>
         <p:grpSpPr>
           <a:xfrm>
-            <a:off x="573523" y="2164515"/>
+            <a:off x="986410" y="3718776"/>
             <a:ext cx="2381827" cy="738664"/>
             <a:chOff x="7981371" y="3949712"/>
             <a:chExt cx="2224808" cy="738664"/>
@@ -5085,7 +5157,7 @@
         <p:spPr>
           <a:xfrm>
             <a:off x="2586181" y="992448"/>
-            <a:ext cx="738338" cy="406370"/>
+            <a:ext cx="738338" cy="683369"/>
           </a:xfrm>
           <a:prstGeom prst="bentConnector3">
             <a:avLst>
@@ -5257,7 +5329,7 @@
         <p:spPr>
           <a:xfrm flipV="1">
             <a:off x="5706346" y="1121819"/>
-            <a:ext cx="738338" cy="276999"/>
+            <a:ext cx="738338" cy="553998"/>
           </a:xfrm>
           <a:prstGeom prst="bentConnector3">
             <a:avLst>
@@ -5337,7 +5409,7 @@
     </p:spTree>
     <p:extLst>
       <p:ext uri="{BB962C8B-B14F-4D97-AF65-F5344CB8AC3E}">
-        <p14:creationId xmlns:p14="http://schemas.microsoft.com/office/powerpoint/2010/main" val="1810577497"/>
+        <p14:creationId xmlns:p14="http://schemas.microsoft.com/office/powerpoint/2010/main" val="2704599045"/>
       </p:ext>
     </p:extLst>
   </p:cSld>

--- a/Hanium_AI_Introduction/Temp/DB_Modeling.pptx
+++ b/Hanium_AI_Introduction/Temp/DB_Modeling.pptx
@@ -5,9 +5,8 @@
     <p:sldMasterId id="2147483648" r:id="rId1"/>
   </p:sldMasterIdLst>
   <p:sldIdLst>
-    <p:sldId id="263" r:id="rId2"/>
-    <p:sldId id="265" r:id="rId3"/>
-    <p:sldId id="264" r:id="rId4"/>
+    <p:sldId id="266" r:id="rId2"/>
+    <p:sldId id="264" r:id="rId3"/>
   </p:sldIdLst>
   <p:sldSz cx="12192000" cy="6858000"/>
   <p:notesSz cx="6858000" cy="9144000"/>
@@ -261,7 +260,7 @@
           <a:p>
             <a:fld id="{6CD1631F-B4E4-4586-B174-3C01B9C4BB6E}" type="datetimeFigureOut">
               <a:rPr lang="ko-KR" altLang="en-US" smtClean="0"/>
-              <a:t>2020-07-28</a:t>
+              <a:t>2020-07-29</a:t>
             </a:fld>
             <a:endParaRPr lang="ko-KR" altLang="en-US"/>
           </a:p>
@@ -459,7 +458,7 @@
           <a:p>
             <a:fld id="{6CD1631F-B4E4-4586-B174-3C01B9C4BB6E}" type="datetimeFigureOut">
               <a:rPr lang="ko-KR" altLang="en-US" smtClean="0"/>
-              <a:t>2020-07-28</a:t>
+              <a:t>2020-07-29</a:t>
             </a:fld>
             <a:endParaRPr lang="ko-KR" altLang="en-US"/>
           </a:p>
@@ -667,7 +666,7 @@
           <a:p>
             <a:fld id="{6CD1631F-B4E4-4586-B174-3C01B9C4BB6E}" type="datetimeFigureOut">
               <a:rPr lang="ko-KR" altLang="en-US" smtClean="0"/>
-              <a:t>2020-07-28</a:t>
+              <a:t>2020-07-29</a:t>
             </a:fld>
             <a:endParaRPr lang="ko-KR" altLang="en-US"/>
           </a:p>
@@ -865,7 +864,7 @@
           <a:p>
             <a:fld id="{6CD1631F-B4E4-4586-B174-3C01B9C4BB6E}" type="datetimeFigureOut">
               <a:rPr lang="ko-KR" altLang="en-US" smtClean="0"/>
-              <a:t>2020-07-28</a:t>
+              <a:t>2020-07-29</a:t>
             </a:fld>
             <a:endParaRPr lang="ko-KR" altLang="en-US"/>
           </a:p>
@@ -1140,7 +1139,7 @@
           <a:p>
             <a:fld id="{6CD1631F-B4E4-4586-B174-3C01B9C4BB6E}" type="datetimeFigureOut">
               <a:rPr lang="ko-KR" altLang="en-US" smtClean="0"/>
-              <a:t>2020-07-28</a:t>
+              <a:t>2020-07-29</a:t>
             </a:fld>
             <a:endParaRPr lang="ko-KR" altLang="en-US"/>
           </a:p>
@@ -1405,7 +1404,7 @@
           <a:p>
             <a:fld id="{6CD1631F-B4E4-4586-B174-3C01B9C4BB6E}" type="datetimeFigureOut">
               <a:rPr lang="ko-KR" altLang="en-US" smtClean="0"/>
-              <a:t>2020-07-28</a:t>
+              <a:t>2020-07-29</a:t>
             </a:fld>
             <a:endParaRPr lang="ko-KR" altLang="en-US"/>
           </a:p>
@@ -1817,7 +1816,7 @@
           <a:p>
             <a:fld id="{6CD1631F-B4E4-4586-B174-3C01B9C4BB6E}" type="datetimeFigureOut">
               <a:rPr lang="ko-KR" altLang="en-US" smtClean="0"/>
-              <a:t>2020-07-28</a:t>
+              <a:t>2020-07-29</a:t>
             </a:fld>
             <a:endParaRPr lang="ko-KR" altLang="en-US"/>
           </a:p>
@@ -1958,7 +1957,7 @@
           <a:p>
             <a:fld id="{6CD1631F-B4E4-4586-B174-3C01B9C4BB6E}" type="datetimeFigureOut">
               <a:rPr lang="ko-KR" altLang="en-US" smtClean="0"/>
-              <a:t>2020-07-28</a:t>
+              <a:t>2020-07-29</a:t>
             </a:fld>
             <a:endParaRPr lang="ko-KR" altLang="en-US"/>
           </a:p>
@@ -2071,7 +2070,7 @@
           <a:p>
             <a:fld id="{6CD1631F-B4E4-4586-B174-3C01B9C4BB6E}" type="datetimeFigureOut">
               <a:rPr lang="ko-KR" altLang="en-US" smtClean="0"/>
-              <a:t>2020-07-28</a:t>
+              <a:t>2020-07-29</a:t>
             </a:fld>
             <a:endParaRPr lang="ko-KR" altLang="en-US"/>
           </a:p>
@@ -2382,7 +2381,7 @@
           <a:p>
             <a:fld id="{6CD1631F-B4E4-4586-B174-3C01B9C4BB6E}" type="datetimeFigureOut">
               <a:rPr lang="ko-KR" altLang="en-US" smtClean="0"/>
-              <a:t>2020-07-28</a:t>
+              <a:t>2020-07-29</a:t>
             </a:fld>
             <a:endParaRPr lang="ko-KR" altLang="en-US"/>
           </a:p>
@@ -2670,7 +2669,7 @@
           <a:p>
             <a:fld id="{6CD1631F-B4E4-4586-B174-3C01B9C4BB6E}" type="datetimeFigureOut">
               <a:rPr lang="ko-KR" altLang="en-US" smtClean="0"/>
-              <a:t>2020-07-28</a:t>
+              <a:t>2020-07-29</a:t>
             </a:fld>
             <a:endParaRPr lang="ko-KR" altLang="en-US"/>
           </a:p>
@@ -2911,7 +2910,7 @@
           <a:p>
             <a:fld id="{6CD1631F-B4E4-4586-B174-3C01B9C4BB6E}" type="datetimeFigureOut">
               <a:rPr lang="ko-KR" altLang="en-US" smtClean="0"/>
-              <a:t>2020-07-28</a:t>
+              <a:t>2020-07-29</a:t>
             </a:fld>
             <a:endParaRPr lang="ko-KR" altLang="en-US"/>
           </a:p>
@@ -3343,9 +3342,9 @@
         <p:grpSpPr>
           <a:xfrm>
             <a:off x="3324519" y="290822"/>
-            <a:ext cx="2381827" cy="1846660"/>
+            <a:ext cx="2381827" cy="2123658"/>
             <a:chOff x="887845" y="1033668"/>
-            <a:chExt cx="2224809" cy="1846660"/>
+            <a:chExt cx="2224809" cy="2123658"/>
           </a:xfrm>
         </p:grpSpPr>
         <p:sp>
@@ -3407,7 +3406,7 @@
           <p:spPr>
             <a:xfrm>
               <a:off x="887845" y="1403000"/>
-              <a:ext cx="2224809" cy="1477328"/>
+              <a:ext cx="2224809" cy="1754326"/>
             </a:xfrm>
             <a:prstGeom prst="rect">
               <a:avLst/>
@@ -3470,6 +3469,13 @@
             </a:p>
             <a:p>
               <a:r>
+                <a:rPr lang="ko-KR" altLang="en-US" b="1" dirty="0" err="1"/>
+                <a:t>합격불합격보류</a:t>
+              </a:r>
+              <a:endParaRPr lang="en-US" altLang="ko-KR" b="1" dirty="0"/>
+            </a:p>
+            <a:p>
+              <a:r>
                 <a:rPr lang="en-US" altLang="ko-KR" b="1" dirty="0" err="1"/>
                 <a:t>User_ID</a:t>
               </a:r>
@@ -3496,9 +3502,9 @@
         <p:grpSpPr>
           <a:xfrm>
             <a:off x="204354" y="290822"/>
-            <a:ext cx="2381827" cy="1024791"/>
+            <a:ext cx="2381827" cy="2963783"/>
             <a:chOff x="4305300" y="258167"/>
-            <a:chExt cx="2224808" cy="1024791"/>
+            <a:chExt cx="2224808" cy="2963783"/>
           </a:xfrm>
         </p:grpSpPr>
         <p:sp>
@@ -3560,7 +3566,7 @@
           <p:spPr>
             <a:xfrm>
               <a:off x="4305300" y="636627"/>
-              <a:ext cx="2224808" cy="646331"/>
+              <a:ext cx="2224808" cy="2585323"/>
             </a:xfrm>
             <a:prstGeom prst="rect">
               <a:avLst/>
@@ -3598,7 +3604,59 @@
             <a:p>
               <a:r>
                 <a:rPr lang="en-US" altLang="ko-KR" b="1" dirty="0" err="1"/>
+                <a:t>User_Password</a:t>
+              </a:r>
+              <a:endParaRPr lang="en-US" altLang="ko-KR" b="1" dirty="0"/>
+            </a:p>
+            <a:p>
+              <a:r>
+                <a:rPr lang="en-US" altLang="ko-KR" b="1" dirty="0" err="1"/>
+                <a:t>User_Name</a:t>
+              </a:r>
+              <a:endParaRPr lang="en-US" altLang="ko-KR" b="1" dirty="0"/>
+            </a:p>
+            <a:p>
+              <a:r>
+                <a:rPr lang="en-US" altLang="ko-KR" b="1" dirty="0" err="1"/>
+                <a:t>User_Birth</a:t>
+              </a:r>
+              <a:endParaRPr lang="en-US" altLang="ko-KR" b="1" dirty="0"/>
+            </a:p>
+            <a:p>
+              <a:r>
+                <a:rPr lang="en-US" altLang="ko-KR" b="1" dirty="0" err="1"/>
+                <a:t>User_email</a:t>
+              </a:r>
+              <a:endParaRPr lang="en-US" altLang="ko-KR" b="1" dirty="0"/>
+            </a:p>
+            <a:p>
+              <a:r>
+                <a:rPr lang="en-US" altLang="ko-KR" b="1" dirty="0" err="1"/>
+                <a:t>User_Gender</a:t>
+              </a:r>
+              <a:endParaRPr lang="en-US" altLang="ko-KR" b="1" dirty="0"/>
+            </a:p>
+            <a:p>
+              <a:r>
+                <a:rPr lang="en-US" altLang="ko-KR" b="1" dirty="0" err="1"/>
+                <a:t>User_PhoneNumber</a:t>
+              </a:r>
+              <a:endParaRPr lang="en-US" altLang="ko-KR" b="1" dirty="0"/>
+            </a:p>
+            <a:p>
+              <a:r>
+                <a:rPr lang="en-US" altLang="ko-KR" b="1" dirty="0" err="1"/>
                 <a:t>Instruction_ID</a:t>
+              </a:r>
+              <a:r>
+                <a:rPr lang="en-US" altLang="ko-KR" b="1" dirty="0"/>
+                <a:t>(FK)</a:t>
+              </a:r>
+            </a:p>
+            <a:p>
+              <a:r>
+                <a:rPr lang="en-US" altLang="ko-KR" b="1" dirty="0" err="1"/>
+                <a:t>Post_ID</a:t>
               </a:r>
               <a:r>
                 <a:rPr lang="en-US" altLang="ko-KR" b="1" dirty="0"/>
@@ -3623,9 +3681,9 @@
         <p:grpSpPr>
           <a:xfrm>
             <a:off x="6444684" y="290822"/>
-            <a:ext cx="2381828" cy="1292662"/>
+            <a:ext cx="2381828" cy="1015663"/>
             <a:chOff x="7981371" y="1005959"/>
-            <a:chExt cx="2224808" cy="1292662"/>
+            <a:chExt cx="2224808" cy="1015663"/>
           </a:xfrm>
         </p:grpSpPr>
         <p:sp>
@@ -3687,7 +3745,7 @@
           <p:spPr>
             <a:xfrm>
               <a:off x="7981371" y="1375291"/>
-              <a:ext cx="2224808" cy="923330"/>
+              <a:ext cx="2224808" cy="646331"/>
             </a:xfrm>
             <a:prstGeom prst="rect">
               <a:avLst/>
@@ -3729,25 +3787,15 @@
               </a:r>
               <a:endParaRPr lang="en-US" altLang="ko-KR" b="1" dirty="0"/>
             </a:p>
-            <a:p>
-              <a:r>
-                <a:rPr lang="en-US" altLang="ko-KR" b="1" dirty="0" err="1"/>
-                <a:t>Department_ID</a:t>
-              </a:r>
-              <a:r>
-                <a:rPr lang="en-US" altLang="ko-KR" b="1" dirty="0"/>
-                <a:t>(FK)</a:t>
-              </a:r>
-            </a:p>
           </p:txBody>
         </p:sp>
       </p:grpSp>
       <p:grpSp>
         <p:nvGrpSpPr>
-          <p:cNvPr id="21" name="그룹 20">
-            <a:extLst>
-              <a:ext uri="{FF2B5EF4-FFF2-40B4-BE49-F238E27FC236}">
-                <a16:creationId xmlns:a16="http://schemas.microsoft.com/office/drawing/2014/main" id="{A91DFC11-BDCD-41F6-ACAE-E428F9B565B9}"/>
+          <p:cNvPr id="22" name="그룹 21">
+            <a:extLst>
+              <a:ext uri="{FF2B5EF4-FFF2-40B4-BE49-F238E27FC236}">
+                <a16:creationId xmlns:a16="http://schemas.microsoft.com/office/drawing/2014/main" id="{F01E9720-4AF2-44C7-94C8-5EB3786DA4B6}"/>
               </a:ext>
             </a:extLst>
           </p:cNvPr>
@@ -3756,18 +3804,18 @@
         </p:nvGrpSpPr>
         <p:grpSpPr>
           <a:xfrm>
-            <a:off x="8826512" y="3718776"/>
-            <a:ext cx="2381827" cy="738664"/>
-            <a:chOff x="7981371" y="1987210"/>
-            <a:chExt cx="2224808" cy="738664"/>
+            <a:off x="5487453" y="4834621"/>
+            <a:ext cx="2685323" cy="1567410"/>
+            <a:chOff x="7981371" y="2968461"/>
+            <a:chExt cx="2224809" cy="1567410"/>
           </a:xfrm>
         </p:grpSpPr>
         <p:sp>
           <p:nvSpPr>
-            <p:cNvPr id="10" name="TextBox 9">
+            <p:cNvPr id="12" name="TextBox 11">
               <a:extLst>
                 <a:ext uri="{FF2B5EF4-FFF2-40B4-BE49-F238E27FC236}">
-                  <a16:creationId xmlns:a16="http://schemas.microsoft.com/office/drawing/2014/main" id="{683346EF-C1BF-4499-91B7-17243C66BA51}"/>
+                  <a16:creationId xmlns:a16="http://schemas.microsoft.com/office/drawing/2014/main" id="{41C80283-7CC9-47D0-BF58-8FA604694949}"/>
                 </a:ext>
               </a:extLst>
             </p:cNvPr>
@@ -3776,7 +3824,7 @@
           </p:nvSpPr>
           <p:spPr>
             <a:xfrm>
-              <a:off x="7981371" y="1987210"/>
+              <a:off x="7981372" y="2968461"/>
               <a:ext cx="2224808" cy="369332"/>
             </a:xfrm>
             <a:prstGeom prst="rect">
@@ -3797,108 +3845,6 @@
             <a:p>
               <a:r>
                 <a:rPr lang="ko-KR" altLang="en-US" b="1" dirty="0"/>
-                <a:t>성향 </a:t>
-              </a:r>
-              <a:r>
-                <a:rPr lang="en-US" altLang="ko-KR" b="1" dirty="0"/>
-                <a:t>DB</a:t>
-              </a:r>
-            </a:p>
-          </p:txBody>
-        </p:sp>
-        <p:sp>
-          <p:nvSpPr>
-            <p:cNvPr id="9" name="TextBox 8">
-              <a:extLst>
-                <a:ext uri="{FF2B5EF4-FFF2-40B4-BE49-F238E27FC236}">
-                  <a16:creationId xmlns:a16="http://schemas.microsoft.com/office/drawing/2014/main" id="{EFF00EDE-49BD-4F14-9337-04795839FFCF}"/>
-                </a:ext>
-              </a:extLst>
-            </p:cNvPr>
-            <p:cNvSpPr txBox="1"/>
-            <p:nvPr/>
-          </p:nvSpPr>
-          <p:spPr>
-            <a:xfrm>
-              <a:off x="7981371" y="2356542"/>
-              <a:ext cx="2224808" cy="369332"/>
-            </a:xfrm>
-            <a:prstGeom prst="rect">
-              <a:avLst/>
-            </a:prstGeom>
-            <a:noFill/>
-            <a:ln w="38100">
-              <a:solidFill>
-                <a:schemeClr val="tx1"/>
-              </a:solidFill>
-            </a:ln>
-          </p:spPr>
-          <p:txBody>
-            <a:bodyPr wrap="square" rtlCol="0">
-              <a:spAutoFit/>
-            </a:bodyPr>
-            <a:lstStyle/>
-            <a:p>
-              <a:endParaRPr lang="en-US" altLang="ko-KR" b="1" dirty="0"/>
-            </a:p>
-          </p:txBody>
-        </p:sp>
-      </p:grpSp>
-      <p:grpSp>
-        <p:nvGrpSpPr>
-          <p:cNvPr id="22" name="그룹 21">
-            <a:extLst>
-              <a:ext uri="{FF2B5EF4-FFF2-40B4-BE49-F238E27FC236}">
-                <a16:creationId xmlns:a16="http://schemas.microsoft.com/office/drawing/2014/main" id="{F01E9720-4AF2-44C7-94C8-5EB3786DA4B6}"/>
-              </a:ext>
-            </a:extLst>
-          </p:cNvPr>
-          <p:cNvGrpSpPr/>
-          <p:nvPr/>
-        </p:nvGrpSpPr>
-        <p:grpSpPr>
-          <a:xfrm>
-            <a:off x="4905086" y="4567405"/>
-            <a:ext cx="2381827" cy="736413"/>
-            <a:chOff x="7981371" y="2968461"/>
-            <a:chExt cx="2224808" cy="736413"/>
-          </a:xfrm>
-        </p:grpSpPr>
-        <p:sp>
-          <p:nvSpPr>
-            <p:cNvPr id="12" name="TextBox 11">
-              <a:extLst>
-                <a:ext uri="{FF2B5EF4-FFF2-40B4-BE49-F238E27FC236}">
-                  <a16:creationId xmlns:a16="http://schemas.microsoft.com/office/drawing/2014/main" id="{41C80283-7CC9-47D0-BF58-8FA604694949}"/>
-                </a:ext>
-              </a:extLst>
-            </p:cNvPr>
-            <p:cNvSpPr txBox="1"/>
-            <p:nvPr/>
-          </p:nvSpPr>
-          <p:spPr>
-            <a:xfrm>
-              <a:off x="7981371" y="2968461"/>
-              <a:ext cx="2224808" cy="369332"/>
-            </a:xfrm>
-            <a:prstGeom prst="rect">
-              <a:avLst/>
-            </a:prstGeom>
-            <a:noFill/>
-            <a:ln w="38100">
-              <a:solidFill>
-                <a:schemeClr val="tx1"/>
-              </a:solidFill>
-            </a:ln>
-          </p:spPr>
-          <p:txBody>
-            <a:bodyPr wrap="square" rtlCol="0">
-              <a:spAutoFit/>
-            </a:bodyPr>
-            <a:lstStyle/>
-            <a:p>
-              <a:r>
-                <a:rPr lang="ko-KR" altLang="en-US" b="1" dirty="0"/>
                 <a:t>분석결과 </a:t>
               </a:r>
               <a:r>
@@ -3923,7 +3869,7 @@
           <p:spPr>
             <a:xfrm>
               <a:off x="7981371" y="3335542"/>
-              <a:ext cx="2224808" cy="369332"/>
+              <a:ext cx="2224808" cy="1200329"/>
             </a:xfrm>
             <a:prstGeom prst="rect">
               <a:avLst/>
@@ -3941,6 +3887,50 @@
             </a:bodyPr>
             <a:lstStyle/>
             <a:p>
+              <a:r>
+                <a:rPr lang="en-US" altLang="ko-KR" b="1" dirty="0" err="1">
+                  <a:solidFill>
+                    <a:srgbClr val="FF0000"/>
+                  </a:solidFill>
+                </a:rPr>
+                <a:t>Instruction_ID</a:t>
+              </a:r>
+              <a:r>
+                <a:rPr lang="en-US" altLang="ko-KR" b="1" dirty="0">
+                  <a:solidFill>
+                    <a:srgbClr val="FF0000"/>
+                  </a:solidFill>
+                </a:rPr>
+                <a:t>(FPK)</a:t>
+              </a:r>
+            </a:p>
+            <a:p>
+              <a:r>
+                <a:rPr lang="ko-KR" altLang="en-US" b="1" dirty="0"/>
+                <a:t>표절</a:t>
+              </a:r>
+              <a:r>
+                <a:rPr lang="en-US" altLang="ko-KR" b="1" dirty="0" err="1"/>
+                <a:t>Persent</a:t>
+              </a:r>
+              <a:endParaRPr lang="en-US" altLang="ko-KR" b="1" dirty="0"/>
+            </a:p>
+            <a:p>
+              <a:r>
+                <a:rPr lang="ko-KR" altLang="en-US" b="1" dirty="0"/>
+                <a:t>합격</a:t>
+              </a:r>
+              <a:r>
+                <a:rPr lang="en-US" altLang="ko-KR" b="1" dirty="0" err="1"/>
+                <a:t>Persent</a:t>
+              </a:r>
+              <a:endParaRPr lang="en-US" altLang="ko-KR" b="1" dirty="0"/>
+            </a:p>
+            <a:p>
+              <a:r>
+                <a:rPr lang="ko-KR" altLang="en-US" b="1" dirty="0"/>
+                <a:t>맞춤법수정본</a:t>
+              </a:r>
               <a:endParaRPr lang="en-US" altLang="ko-KR" b="1" dirty="0"/>
             </a:p>
           </p:txBody>
@@ -3960,10 +3950,10 @@
         </p:nvGrpSpPr>
         <p:grpSpPr>
           <a:xfrm>
-            <a:off x="986410" y="3718776"/>
-            <a:ext cx="2381827" cy="738664"/>
+            <a:off x="204353" y="4108173"/>
+            <a:ext cx="2381827" cy="1569661"/>
             <a:chOff x="7981371" y="3949712"/>
-            <a:chExt cx="2224808" cy="738664"/>
+            <a:chExt cx="2224808" cy="1569661"/>
           </a:xfrm>
         </p:grpSpPr>
         <p:sp>
@@ -4025,7 +4015,7 @@
           <p:spPr>
             <a:xfrm>
               <a:off x="7981371" y="4319044"/>
-              <a:ext cx="2224808" cy="369332"/>
+              <a:ext cx="2224808" cy="1200329"/>
             </a:xfrm>
             <a:prstGeom prst="rect">
               <a:avLst/>
@@ -4043,7 +4033,44 @@
             </a:bodyPr>
             <a:lstStyle/>
             <a:p>
-              <a:endParaRPr lang="en-US" altLang="ko-KR" b="1" dirty="0"/>
+              <a:r>
+                <a:rPr lang="en-US" altLang="ko-KR" b="1" dirty="0" err="1">
+                  <a:solidFill>
+                    <a:srgbClr val="FF0000"/>
+                  </a:solidFill>
+                </a:rPr>
+                <a:t>Post_ID</a:t>
+              </a:r>
+              <a:r>
+                <a:rPr lang="en-US" altLang="ko-KR" b="1" dirty="0">
+                  <a:solidFill>
+                    <a:srgbClr val="FF0000"/>
+                  </a:solidFill>
+                </a:rPr>
+                <a:t>(PK)</a:t>
+              </a:r>
+            </a:p>
+            <a:p>
+              <a:r>
+                <a:rPr lang="en-US" altLang="ko-KR" b="1" dirty="0"/>
+                <a:t>Title</a:t>
+              </a:r>
+            </a:p>
+            <a:p>
+              <a:r>
+                <a:rPr lang="en-US" altLang="ko-KR" b="1" dirty="0"/>
+                <a:t>Contents</a:t>
+              </a:r>
+            </a:p>
+            <a:p>
+              <a:r>
+                <a:rPr lang="en-US" altLang="ko-KR" b="1" dirty="0" err="1"/>
+                <a:t>User_ID</a:t>
+              </a:r>
+              <a:r>
+                <a:rPr lang="en-US" altLang="ko-KR" b="1" dirty="0"/>
+                <a:t>(FK)</a:t>
+              </a:r>
             </a:p>
           </p:txBody>
         </p:sp>
@@ -4065,9 +4092,9 @@
           <p:nvPr/>
         </p:nvCxnSpPr>
         <p:spPr>
-          <a:xfrm>
-            <a:off x="2586181" y="992448"/>
-            <a:ext cx="738338" cy="406370"/>
+          <a:xfrm flipV="1">
+            <a:off x="2586181" y="1537317"/>
+            <a:ext cx="738338" cy="424627"/>
           </a:xfrm>
           <a:prstGeom prst="bentConnector3">
             <a:avLst>
@@ -4096,130 +4123,6 @@
           </a:fontRef>
         </p:style>
       </p:cxnSp>
-      <p:grpSp>
-        <p:nvGrpSpPr>
-          <p:cNvPr id="30" name="그룹 29">
-            <a:extLst>
-              <a:ext uri="{FF2B5EF4-FFF2-40B4-BE49-F238E27FC236}">
-                <a16:creationId xmlns:a16="http://schemas.microsoft.com/office/drawing/2014/main" id="{86588F92-B194-4C72-AA59-CE180019A9F3}"/>
-              </a:ext>
-            </a:extLst>
-          </p:cNvPr>
-          <p:cNvGrpSpPr/>
-          <p:nvPr/>
-        </p:nvGrpSpPr>
-        <p:grpSpPr>
-          <a:xfrm>
-            <a:off x="9564850" y="290822"/>
-            <a:ext cx="2381829" cy="1015663"/>
-            <a:chOff x="7981371" y="1005959"/>
-            <a:chExt cx="2224808" cy="1015663"/>
-          </a:xfrm>
-        </p:grpSpPr>
-        <p:sp>
-          <p:nvSpPr>
-            <p:cNvPr id="31" name="TextBox 30">
-              <a:extLst>
-                <a:ext uri="{FF2B5EF4-FFF2-40B4-BE49-F238E27FC236}">
-                  <a16:creationId xmlns:a16="http://schemas.microsoft.com/office/drawing/2014/main" id="{AC51FAD3-A513-4403-B79D-03C3914BAF57}"/>
-                </a:ext>
-              </a:extLst>
-            </p:cNvPr>
-            <p:cNvSpPr txBox="1"/>
-            <p:nvPr/>
-          </p:nvSpPr>
-          <p:spPr>
-            <a:xfrm>
-              <a:off x="7981371" y="1005959"/>
-              <a:ext cx="2224808" cy="369332"/>
-            </a:xfrm>
-            <a:prstGeom prst="rect">
-              <a:avLst/>
-            </a:prstGeom>
-            <a:noFill/>
-            <a:ln w="38100">
-              <a:solidFill>
-                <a:schemeClr val="tx1"/>
-              </a:solidFill>
-            </a:ln>
-          </p:spPr>
-          <p:txBody>
-            <a:bodyPr wrap="square" rtlCol="0">
-              <a:spAutoFit/>
-            </a:bodyPr>
-            <a:lstStyle/>
-            <a:p>
-              <a:r>
-                <a:rPr lang="ko-KR" altLang="en-US" b="1" dirty="0"/>
-                <a:t>직무 </a:t>
-              </a:r>
-              <a:r>
-                <a:rPr lang="en-US" altLang="ko-KR" b="1" dirty="0"/>
-                <a:t>DB</a:t>
-              </a:r>
-            </a:p>
-          </p:txBody>
-        </p:sp>
-        <p:sp>
-          <p:nvSpPr>
-            <p:cNvPr id="32" name="TextBox 31">
-              <a:extLst>
-                <a:ext uri="{FF2B5EF4-FFF2-40B4-BE49-F238E27FC236}">
-                  <a16:creationId xmlns:a16="http://schemas.microsoft.com/office/drawing/2014/main" id="{DEF0C0B7-65BD-4BA8-A11C-2AA82F3BE296}"/>
-                </a:ext>
-              </a:extLst>
-            </p:cNvPr>
-            <p:cNvSpPr txBox="1"/>
-            <p:nvPr/>
-          </p:nvSpPr>
-          <p:spPr>
-            <a:xfrm>
-              <a:off x="7981371" y="1375291"/>
-              <a:ext cx="2224808" cy="646331"/>
-            </a:xfrm>
-            <a:prstGeom prst="rect">
-              <a:avLst/>
-            </a:prstGeom>
-            <a:noFill/>
-            <a:ln w="38100">
-              <a:solidFill>
-                <a:schemeClr val="tx1"/>
-              </a:solidFill>
-            </a:ln>
-          </p:spPr>
-          <p:txBody>
-            <a:bodyPr wrap="square" rtlCol="0">
-              <a:spAutoFit/>
-            </a:bodyPr>
-            <a:lstStyle/>
-            <a:p>
-              <a:r>
-                <a:rPr lang="en-US" altLang="ko-KR" b="1" dirty="0" err="1">
-                  <a:solidFill>
-                    <a:srgbClr val="FF0000"/>
-                  </a:solidFill>
-                </a:rPr>
-                <a:t>Department_ID</a:t>
-              </a:r>
-              <a:r>
-                <a:rPr lang="en-US" altLang="ko-KR" b="1" dirty="0">
-                  <a:solidFill>
-                    <a:srgbClr val="FF0000"/>
-                  </a:solidFill>
-                </a:rPr>
-                <a:t>(PK)</a:t>
-              </a:r>
-            </a:p>
-            <a:p>
-              <a:r>
-                <a:rPr lang="en-US" altLang="ko-KR" b="1" dirty="0" err="1"/>
-                <a:t>Department_Name</a:t>
-              </a:r>
-              <a:endParaRPr lang="en-US" altLang="ko-KR" b="1" dirty="0"/>
-            </a:p>
-          </p:txBody>
-        </p:sp>
-      </p:grpSp>
       <p:cxnSp>
         <p:nvCxnSpPr>
           <p:cNvPr id="42" name="연결선: 꺾임 41">
@@ -4231,15 +4134,14 @@
           </p:cNvPr>
           <p:cNvCxnSpPr>
             <a:cxnSpLocks/>
-            <a:stCxn id="2" idx="3"/>
-            <a:endCxn id="7" idx="1"/>
+            <a:endCxn id="2" idx="3"/>
           </p:cNvCxnSpPr>
           <p:nvPr/>
         </p:nvCxnSpPr>
         <p:spPr>
-          <a:xfrm flipV="1">
-            <a:off x="5706346" y="1121819"/>
-            <a:ext cx="738338" cy="276999"/>
+          <a:xfrm rot="10800000" flipV="1">
+            <a:off x="5706347" y="1006403"/>
+            <a:ext cx="741527" cy="530914"/>
           </a:xfrm>
           <a:prstGeom prst="bentConnector3">
             <a:avLst>
@@ -4280,884 +4182,13 @@
           <p:cNvCxnSpPr>
             <a:cxnSpLocks/>
             <a:stCxn id="7" idx="3"/>
-            <a:endCxn id="32" idx="1"/>
-          </p:cNvCxnSpPr>
-          <p:nvPr/>
-        </p:nvCxnSpPr>
-        <p:spPr>
-          <a:xfrm flipV="1">
-            <a:off x="8826512" y="983320"/>
-            <a:ext cx="738338" cy="138499"/>
-          </a:xfrm>
-          <a:prstGeom prst="bentConnector3">
-            <a:avLst>
-              <a:gd name="adj1" fmla="val 50000"/>
-            </a:avLst>
-          </a:prstGeom>
-          <a:ln w="25400">
-            <a:solidFill>
-              <a:schemeClr val="tx1"/>
-            </a:solidFill>
-            <a:tailEnd type="triangle"/>
-          </a:ln>
-        </p:spPr>
-        <p:style>
-          <a:lnRef idx="1">
-            <a:schemeClr val="accent1"/>
-          </a:lnRef>
-          <a:fillRef idx="0">
-            <a:schemeClr val="accent1"/>
-          </a:fillRef>
-          <a:effectRef idx="0">
-            <a:schemeClr val="accent1"/>
-          </a:effectRef>
-          <a:fontRef idx="minor">
-            <a:schemeClr val="tx1"/>
-          </a:fontRef>
-        </p:style>
-      </p:cxnSp>
-    </p:spTree>
-    <p:extLst>
-      <p:ext uri="{BB962C8B-B14F-4D97-AF65-F5344CB8AC3E}">
-        <p14:creationId xmlns:p14="http://schemas.microsoft.com/office/powerpoint/2010/main" val="1810577497"/>
-      </p:ext>
-    </p:extLst>
-  </p:cSld>
-  <p:clrMapOvr>
-    <a:masterClrMapping/>
-  </p:clrMapOvr>
-</p:sld>
-</file>
-
-<file path=ppt/slides/slide2.xml><?xml version="1.0" encoding="utf-8"?>
-<p:sld xmlns:a="http://schemas.openxmlformats.org/drawingml/2006/main" xmlns:r="http://schemas.openxmlformats.org/officeDocument/2006/relationships" xmlns:p="http://schemas.openxmlformats.org/presentationml/2006/main">
-  <p:cSld>
-    <p:spTree>
-      <p:nvGrpSpPr>
-        <p:cNvPr id="1" name=""/>
-        <p:cNvGrpSpPr/>
-        <p:nvPr/>
-      </p:nvGrpSpPr>
-      <p:grpSpPr>
-        <a:xfrm>
-          <a:off x="0" y="0"/>
-          <a:ext cx="0" cy="0"/>
-          <a:chOff x="0" y="0"/>
-          <a:chExt cx="0" cy="0"/>
-        </a:xfrm>
-      </p:grpSpPr>
-      <p:grpSp>
-        <p:nvGrpSpPr>
-          <p:cNvPr id="3" name="그룹 2">
-            <a:extLst>
-              <a:ext uri="{FF2B5EF4-FFF2-40B4-BE49-F238E27FC236}">
-                <a16:creationId xmlns:a16="http://schemas.microsoft.com/office/drawing/2014/main" id="{6AD75EA6-FA80-461F-BCDF-4F54A5040AB5}"/>
-              </a:ext>
-            </a:extLst>
-          </p:cNvPr>
-          <p:cNvGrpSpPr/>
-          <p:nvPr/>
-        </p:nvGrpSpPr>
-        <p:grpSpPr>
-          <a:xfrm>
-            <a:off x="3324519" y="290822"/>
-            <a:ext cx="2381827" cy="2400657"/>
-            <a:chOff x="887845" y="1033668"/>
-            <a:chExt cx="2224809" cy="2400657"/>
-          </a:xfrm>
-        </p:grpSpPr>
-        <p:sp>
-          <p:nvSpPr>
-            <p:cNvPr id="4" name="TextBox 3">
-              <a:extLst>
-                <a:ext uri="{FF2B5EF4-FFF2-40B4-BE49-F238E27FC236}">
-                  <a16:creationId xmlns:a16="http://schemas.microsoft.com/office/drawing/2014/main" id="{EF9F72AE-BD7D-44F3-BB51-9AFB2051C758}"/>
-                </a:ext>
-              </a:extLst>
-            </p:cNvPr>
-            <p:cNvSpPr txBox="1"/>
-            <p:nvPr/>
-          </p:nvSpPr>
-          <p:spPr>
-            <a:xfrm>
-              <a:off x="887846" y="1033668"/>
-              <a:ext cx="2224808" cy="369332"/>
-            </a:xfrm>
-            <a:prstGeom prst="rect">
-              <a:avLst/>
-            </a:prstGeom>
-            <a:noFill/>
-            <a:ln w="38100">
-              <a:solidFill>
-                <a:schemeClr val="tx1"/>
-              </a:solidFill>
-            </a:ln>
-          </p:spPr>
-          <p:txBody>
-            <a:bodyPr wrap="square" rtlCol="0">
-              <a:spAutoFit/>
-            </a:bodyPr>
-            <a:lstStyle/>
-            <a:p>
-              <a:r>
-                <a:rPr lang="ko-KR" altLang="en-US" b="1" dirty="0"/>
-                <a:t>자기소개서 </a:t>
-              </a:r>
-              <a:r>
-                <a:rPr lang="en-US" altLang="ko-KR" b="1" dirty="0"/>
-                <a:t>DB</a:t>
-              </a:r>
-            </a:p>
-          </p:txBody>
-        </p:sp>
-        <p:sp>
-          <p:nvSpPr>
-            <p:cNvPr id="2" name="TextBox 1">
-              <a:extLst>
-                <a:ext uri="{FF2B5EF4-FFF2-40B4-BE49-F238E27FC236}">
-                  <a16:creationId xmlns:a16="http://schemas.microsoft.com/office/drawing/2014/main" id="{1F138A3F-99F4-44B5-A1D1-EFA56D310332}"/>
-                </a:ext>
-              </a:extLst>
-            </p:cNvPr>
-            <p:cNvSpPr txBox="1"/>
-            <p:nvPr/>
-          </p:nvSpPr>
-          <p:spPr>
-            <a:xfrm>
-              <a:off x="887845" y="1403000"/>
-              <a:ext cx="2224809" cy="2031325"/>
-            </a:xfrm>
-            <a:prstGeom prst="rect">
-              <a:avLst/>
-            </a:prstGeom>
-            <a:noFill/>
-            <a:ln w="38100">
-              <a:solidFill>
-                <a:schemeClr val="tx1"/>
-              </a:solidFill>
-            </a:ln>
-          </p:spPr>
-          <p:txBody>
-            <a:bodyPr wrap="square" rtlCol="0">
-              <a:spAutoFit/>
-            </a:bodyPr>
-            <a:lstStyle/>
-            <a:p>
-              <a:r>
-                <a:rPr lang="en-US" altLang="ko-KR" b="1" dirty="0" err="1">
-                  <a:solidFill>
-                    <a:srgbClr val="FF0000"/>
-                  </a:solidFill>
-                </a:rPr>
-                <a:t>Instruction_ID</a:t>
-              </a:r>
-              <a:r>
-                <a:rPr lang="en-US" altLang="ko-KR" b="1" dirty="0">
-                  <a:solidFill>
-                    <a:srgbClr val="FF0000"/>
-                  </a:solidFill>
-                </a:rPr>
-                <a:t>(PK)</a:t>
-              </a:r>
-            </a:p>
-            <a:p>
-              <a:r>
-                <a:rPr lang="en-US" altLang="ko-KR" b="1" dirty="0" err="1"/>
-                <a:t>Company_ID</a:t>
-              </a:r>
-              <a:r>
-                <a:rPr lang="en-US" altLang="ko-KR" b="1" dirty="0"/>
-                <a:t>(FK)</a:t>
-              </a:r>
-            </a:p>
-            <a:p>
-              <a:r>
-                <a:rPr lang="en-US" altLang="ko-KR" b="1" dirty="0" err="1"/>
-                <a:t>Department_ID</a:t>
-              </a:r>
-              <a:r>
-                <a:rPr lang="en-US" altLang="ko-KR" b="1" dirty="0"/>
-                <a:t>(FK)</a:t>
-              </a:r>
-            </a:p>
-            <a:p>
-              <a:r>
-                <a:rPr lang="en-US" altLang="ko-KR" b="1" dirty="0"/>
-                <a:t>Contents</a:t>
-              </a:r>
-            </a:p>
-            <a:p>
-              <a:r>
-                <a:rPr lang="en-US" altLang="ko-KR" b="1" dirty="0" err="1"/>
-                <a:t>User_ID</a:t>
-              </a:r>
-              <a:r>
-                <a:rPr lang="en-US" altLang="ko-KR" b="1" dirty="0"/>
-                <a:t>(FK)</a:t>
-              </a:r>
-            </a:p>
-            <a:p>
-              <a:r>
-                <a:rPr lang="en-US" altLang="ko-KR" b="1" dirty="0" err="1"/>
-                <a:t>Result_ID</a:t>
-              </a:r>
-              <a:r>
-                <a:rPr lang="en-US" altLang="ko-KR" b="1" dirty="0"/>
-                <a:t>(FK)</a:t>
-              </a:r>
-            </a:p>
-            <a:p>
-              <a:r>
-                <a:rPr lang="en-US" altLang="ko-KR" b="1" dirty="0" err="1"/>
-                <a:t>Tendency_ID</a:t>
-              </a:r>
-              <a:r>
-                <a:rPr lang="en-US" altLang="ko-KR" b="1" dirty="0"/>
-                <a:t>(FK)</a:t>
-              </a:r>
-            </a:p>
-          </p:txBody>
-        </p:sp>
-      </p:grpSp>
-      <p:grpSp>
-        <p:nvGrpSpPr>
-          <p:cNvPr id="24" name="그룹 23">
-            <a:extLst>
-              <a:ext uri="{FF2B5EF4-FFF2-40B4-BE49-F238E27FC236}">
-                <a16:creationId xmlns:a16="http://schemas.microsoft.com/office/drawing/2014/main" id="{CD6DF3AD-F911-4FA1-82C4-2E0BC863C02D}"/>
-              </a:ext>
-            </a:extLst>
-          </p:cNvPr>
-          <p:cNvGrpSpPr/>
-          <p:nvPr/>
-        </p:nvGrpSpPr>
-        <p:grpSpPr>
-          <a:xfrm>
-            <a:off x="204354" y="290822"/>
-            <a:ext cx="2381827" cy="1024791"/>
-            <a:chOff x="4305300" y="258167"/>
-            <a:chExt cx="2224808" cy="1024791"/>
-          </a:xfrm>
-        </p:grpSpPr>
-        <p:sp>
-          <p:nvSpPr>
-            <p:cNvPr id="6" name="TextBox 5">
-              <a:extLst>
-                <a:ext uri="{FF2B5EF4-FFF2-40B4-BE49-F238E27FC236}">
-                  <a16:creationId xmlns:a16="http://schemas.microsoft.com/office/drawing/2014/main" id="{43C63D75-E7E5-4170-AF2A-313859E92CC5}"/>
-                </a:ext>
-              </a:extLst>
-            </p:cNvPr>
-            <p:cNvSpPr txBox="1"/>
-            <p:nvPr/>
-          </p:nvSpPr>
-          <p:spPr>
-            <a:xfrm>
-              <a:off x="4305300" y="258167"/>
-              <a:ext cx="2224808" cy="369332"/>
-            </a:xfrm>
-            <a:prstGeom prst="rect">
-              <a:avLst/>
-            </a:prstGeom>
-            <a:noFill/>
-            <a:ln w="38100">
-              <a:solidFill>
-                <a:schemeClr val="tx1"/>
-              </a:solidFill>
-            </a:ln>
-          </p:spPr>
-          <p:txBody>
-            <a:bodyPr wrap="square" rtlCol="0">
-              <a:spAutoFit/>
-            </a:bodyPr>
-            <a:lstStyle/>
-            <a:p>
-              <a:r>
-                <a:rPr lang="ko-KR" altLang="en-US" b="1" dirty="0"/>
-                <a:t>회원정보 </a:t>
-              </a:r>
-              <a:r>
-                <a:rPr lang="en-US" altLang="ko-KR" b="1" dirty="0"/>
-                <a:t>DB</a:t>
-              </a:r>
-            </a:p>
-          </p:txBody>
-        </p:sp>
-        <p:sp>
-          <p:nvSpPr>
-            <p:cNvPr id="5" name="TextBox 4">
-              <a:extLst>
-                <a:ext uri="{FF2B5EF4-FFF2-40B4-BE49-F238E27FC236}">
-                  <a16:creationId xmlns:a16="http://schemas.microsoft.com/office/drawing/2014/main" id="{84EBC52E-28ED-433E-9D85-FC9EA576C66C}"/>
-                </a:ext>
-              </a:extLst>
-            </p:cNvPr>
-            <p:cNvSpPr txBox="1"/>
-            <p:nvPr/>
-          </p:nvSpPr>
-          <p:spPr>
-            <a:xfrm>
-              <a:off x="4305300" y="636627"/>
-              <a:ext cx="2224808" cy="646331"/>
-            </a:xfrm>
-            <a:prstGeom prst="rect">
-              <a:avLst/>
-            </a:prstGeom>
-            <a:noFill/>
-            <a:ln w="38100">
-              <a:solidFill>
-                <a:schemeClr val="tx1"/>
-              </a:solidFill>
-            </a:ln>
-          </p:spPr>
-          <p:txBody>
-            <a:bodyPr wrap="square" rtlCol="0">
-              <a:spAutoFit/>
-            </a:bodyPr>
-            <a:lstStyle/>
-            <a:p>
-              <a:r>
-                <a:rPr lang="en-US" altLang="ko-KR" b="1" dirty="0" err="1">
-                  <a:solidFill>
-                    <a:srgbClr val="FF0000"/>
-                  </a:solidFill>
-                </a:rPr>
-                <a:t>User_ID</a:t>
-              </a:r>
-              <a:r>
-                <a:rPr lang="en-US" altLang="ko-KR" b="1" dirty="0">
-                  <a:solidFill>
-                    <a:srgbClr val="FF0000"/>
-                  </a:solidFill>
-                </a:rPr>
-                <a:t>(PK)</a:t>
-              </a:r>
-            </a:p>
-            <a:p>
-              <a:r>
-                <a:rPr lang="en-US" altLang="ko-KR" b="1" dirty="0" err="1"/>
-                <a:t>Instruction_ID</a:t>
-              </a:r>
-              <a:r>
-                <a:rPr lang="en-US" altLang="ko-KR" b="1" dirty="0"/>
-                <a:t>(FK)</a:t>
-              </a:r>
-            </a:p>
-          </p:txBody>
-        </p:sp>
-      </p:grpSp>
-      <p:grpSp>
-        <p:nvGrpSpPr>
-          <p:cNvPr id="20" name="그룹 19">
-            <a:extLst>
-              <a:ext uri="{FF2B5EF4-FFF2-40B4-BE49-F238E27FC236}">
-                <a16:creationId xmlns:a16="http://schemas.microsoft.com/office/drawing/2014/main" id="{F7540AFE-58AA-4392-AF1A-EEAB917C4B04}"/>
-              </a:ext>
-            </a:extLst>
-          </p:cNvPr>
-          <p:cNvGrpSpPr/>
-          <p:nvPr/>
-        </p:nvGrpSpPr>
-        <p:grpSpPr>
-          <a:xfrm>
-            <a:off x="6444684" y="290822"/>
-            <a:ext cx="2381828" cy="1292662"/>
-            <a:chOff x="7981371" y="1005959"/>
-            <a:chExt cx="2224808" cy="1292662"/>
-          </a:xfrm>
-        </p:grpSpPr>
-        <p:sp>
-          <p:nvSpPr>
-            <p:cNvPr id="8" name="TextBox 7">
-              <a:extLst>
-                <a:ext uri="{FF2B5EF4-FFF2-40B4-BE49-F238E27FC236}">
-                  <a16:creationId xmlns:a16="http://schemas.microsoft.com/office/drawing/2014/main" id="{E4254B41-F97D-44E3-B339-0461D83B3217}"/>
-                </a:ext>
-              </a:extLst>
-            </p:cNvPr>
-            <p:cNvSpPr txBox="1"/>
-            <p:nvPr/>
-          </p:nvSpPr>
-          <p:spPr>
-            <a:xfrm>
-              <a:off x="7981371" y="1005959"/>
-              <a:ext cx="2224808" cy="369332"/>
-            </a:xfrm>
-            <a:prstGeom prst="rect">
-              <a:avLst/>
-            </a:prstGeom>
-            <a:noFill/>
-            <a:ln w="38100">
-              <a:solidFill>
-                <a:schemeClr val="tx1"/>
-              </a:solidFill>
-            </a:ln>
-          </p:spPr>
-          <p:txBody>
-            <a:bodyPr wrap="square" rtlCol="0">
-              <a:spAutoFit/>
-            </a:bodyPr>
-            <a:lstStyle/>
-            <a:p>
-              <a:r>
-                <a:rPr lang="ko-KR" altLang="en-US" b="1" dirty="0"/>
-                <a:t>회사 </a:t>
-              </a:r>
-              <a:r>
-                <a:rPr lang="en-US" altLang="ko-KR" b="1" dirty="0"/>
-                <a:t>DB</a:t>
-              </a:r>
-            </a:p>
-          </p:txBody>
-        </p:sp>
-        <p:sp>
-          <p:nvSpPr>
-            <p:cNvPr id="7" name="TextBox 6">
-              <a:extLst>
-                <a:ext uri="{FF2B5EF4-FFF2-40B4-BE49-F238E27FC236}">
-                  <a16:creationId xmlns:a16="http://schemas.microsoft.com/office/drawing/2014/main" id="{D3705EB5-8421-40CA-B2BC-62486FA28878}"/>
-                </a:ext>
-              </a:extLst>
-            </p:cNvPr>
-            <p:cNvSpPr txBox="1"/>
-            <p:nvPr/>
-          </p:nvSpPr>
-          <p:spPr>
-            <a:xfrm>
-              <a:off x="7981371" y="1375291"/>
-              <a:ext cx="2224808" cy="923330"/>
-            </a:xfrm>
-            <a:prstGeom prst="rect">
-              <a:avLst/>
-            </a:prstGeom>
-            <a:noFill/>
-            <a:ln w="38100">
-              <a:solidFill>
-                <a:schemeClr val="tx1"/>
-              </a:solidFill>
-            </a:ln>
-          </p:spPr>
-          <p:txBody>
-            <a:bodyPr wrap="square" rtlCol="0">
-              <a:spAutoFit/>
-            </a:bodyPr>
-            <a:lstStyle/>
-            <a:p>
-              <a:r>
-                <a:rPr lang="en-US" altLang="ko-KR" b="1" dirty="0" err="1">
-                  <a:solidFill>
-                    <a:srgbClr val="FF0000"/>
-                  </a:solidFill>
-                </a:rPr>
-                <a:t>Company_ID</a:t>
-              </a:r>
-              <a:r>
-                <a:rPr lang="en-US" altLang="ko-KR" b="1" dirty="0">
-                  <a:solidFill>
-                    <a:srgbClr val="FF0000"/>
-                  </a:solidFill>
-                </a:rPr>
-                <a:t>(PK)</a:t>
-              </a:r>
-            </a:p>
-            <a:p>
-              <a:r>
-                <a:rPr lang="en-US" altLang="ko-KR" b="1" dirty="0" err="1"/>
-                <a:t>Company_Name</a:t>
-              </a:r>
-              <a:endParaRPr lang="en-US" altLang="ko-KR" b="1" dirty="0"/>
-            </a:p>
-            <a:p>
-              <a:r>
-                <a:rPr lang="en-US" altLang="ko-KR" b="1" dirty="0" err="1"/>
-                <a:t>Department_ID</a:t>
-              </a:r>
-              <a:r>
-                <a:rPr lang="en-US" altLang="ko-KR" b="1" dirty="0"/>
-                <a:t>(FK)</a:t>
-              </a:r>
-            </a:p>
-          </p:txBody>
-        </p:sp>
-      </p:grpSp>
-      <p:grpSp>
-        <p:nvGrpSpPr>
-          <p:cNvPr id="21" name="그룹 20">
-            <a:extLst>
-              <a:ext uri="{FF2B5EF4-FFF2-40B4-BE49-F238E27FC236}">
-                <a16:creationId xmlns:a16="http://schemas.microsoft.com/office/drawing/2014/main" id="{A91DFC11-BDCD-41F6-ACAE-E428F9B565B9}"/>
-              </a:ext>
-            </a:extLst>
-          </p:cNvPr>
-          <p:cNvGrpSpPr/>
-          <p:nvPr/>
-        </p:nvGrpSpPr>
-        <p:grpSpPr>
-          <a:xfrm>
-            <a:off x="8826512" y="3718776"/>
-            <a:ext cx="2381827" cy="1015663"/>
-            <a:chOff x="7981371" y="1987210"/>
-            <a:chExt cx="2224808" cy="1015663"/>
-          </a:xfrm>
-        </p:grpSpPr>
-        <p:sp>
-          <p:nvSpPr>
-            <p:cNvPr id="10" name="TextBox 9">
-              <a:extLst>
-                <a:ext uri="{FF2B5EF4-FFF2-40B4-BE49-F238E27FC236}">
-                  <a16:creationId xmlns:a16="http://schemas.microsoft.com/office/drawing/2014/main" id="{683346EF-C1BF-4499-91B7-17243C66BA51}"/>
-                </a:ext>
-              </a:extLst>
-            </p:cNvPr>
-            <p:cNvSpPr txBox="1"/>
-            <p:nvPr/>
-          </p:nvSpPr>
-          <p:spPr>
-            <a:xfrm>
-              <a:off x="7981371" y="1987210"/>
-              <a:ext cx="2224808" cy="369332"/>
-            </a:xfrm>
-            <a:prstGeom prst="rect">
-              <a:avLst/>
-            </a:prstGeom>
-            <a:noFill/>
-            <a:ln w="38100">
-              <a:solidFill>
-                <a:schemeClr val="tx1"/>
-              </a:solidFill>
-            </a:ln>
-          </p:spPr>
-          <p:txBody>
-            <a:bodyPr wrap="square" rtlCol="0">
-              <a:spAutoFit/>
-            </a:bodyPr>
-            <a:lstStyle/>
-            <a:p>
-              <a:r>
-                <a:rPr lang="ko-KR" altLang="en-US" b="1" dirty="0"/>
-                <a:t>성향 </a:t>
-              </a:r>
-              <a:r>
-                <a:rPr lang="en-US" altLang="ko-KR" b="1" dirty="0"/>
-                <a:t>DB</a:t>
-              </a:r>
-            </a:p>
-          </p:txBody>
-        </p:sp>
-        <p:sp>
-          <p:nvSpPr>
-            <p:cNvPr id="9" name="TextBox 8">
-              <a:extLst>
-                <a:ext uri="{FF2B5EF4-FFF2-40B4-BE49-F238E27FC236}">
-                  <a16:creationId xmlns:a16="http://schemas.microsoft.com/office/drawing/2014/main" id="{EFF00EDE-49BD-4F14-9337-04795839FFCF}"/>
-                </a:ext>
-              </a:extLst>
-            </p:cNvPr>
-            <p:cNvSpPr txBox="1"/>
-            <p:nvPr/>
-          </p:nvSpPr>
-          <p:spPr>
-            <a:xfrm>
-              <a:off x="7981371" y="2356542"/>
-              <a:ext cx="2224808" cy="646331"/>
-            </a:xfrm>
-            <a:prstGeom prst="rect">
-              <a:avLst/>
-            </a:prstGeom>
-            <a:noFill/>
-            <a:ln w="38100">
-              <a:solidFill>
-                <a:schemeClr val="tx1"/>
-              </a:solidFill>
-            </a:ln>
-          </p:spPr>
-          <p:txBody>
-            <a:bodyPr wrap="square" rtlCol="0">
-              <a:spAutoFit/>
-            </a:bodyPr>
-            <a:lstStyle/>
-            <a:p>
-              <a:r>
-                <a:rPr lang="en-US" altLang="ko-KR" b="1" dirty="0" err="1">
-                  <a:solidFill>
-                    <a:srgbClr val="FF0000"/>
-                  </a:solidFill>
-                </a:rPr>
-                <a:t>Tendency_ID</a:t>
-              </a:r>
-              <a:r>
-                <a:rPr lang="en-US" altLang="ko-KR" b="1" dirty="0">
-                  <a:solidFill>
-                    <a:srgbClr val="FF0000"/>
-                  </a:solidFill>
-                </a:rPr>
-                <a:t>(PK)</a:t>
-              </a:r>
-            </a:p>
-            <a:p>
-              <a:r>
-                <a:rPr lang="en-US" altLang="ko-KR" b="1" dirty="0"/>
-                <a:t>Tendency</a:t>
-              </a:r>
-            </a:p>
-          </p:txBody>
-        </p:sp>
-      </p:grpSp>
-      <p:grpSp>
-        <p:nvGrpSpPr>
-          <p:cNvPr id="22" name="그룹 21">
-            <a:extLst>
-              <a:ext uri="{FF2B5EF4-FFF2-40B4-BE49-F238E27FC236}">
-                <a16:creationId xmlns:a16="http://schemas.microsoft.com/office/drawing/2014/main" id="{F01E9720-4AF2-44C7-94C8-5EB3786DA4B6}"/>
-              </a:ext>
-            </a:extLst>
-          </p:cNvPr>
-          <p:cNvGrpSpPr/>
-          <p:nvPr/>
-        </p:nvGrpSpPr>
-        <p:grpSpPr>
-          <a:xfrm>
-            <a:off x="4905086" y="4567405"/>
-            <a:ext cx="2381827" cy="1290411"/>
-            <a:chOff x="7981371" y="2968461"/>
-            <a:chExt cx="2224808" cy="1290411"/>
-          </a:xfrm>
-        </p:grpSpPr>
-        <p:sp>
-          <p:nvSpPr>
-            <p:cNvPr id="12" name="TextBox 11">
-              <a:extLst>
-                <a:ext uri="{FF2B5EF4-FFF2-40B4-BE49-F238E27FC236}">
-                  <a16:creationId xmlns:a16="http://schemas.microsoft.com/office/drawing/2014/main" id="{41C80283-7CC9-47D0-BF58-8FA604694949}"/>
-                </a:ext>
-              </a:extLst>
-            </p:cNvPr>
-            <p:cNvSpPr txBox="1"/>
-            <p:nvPr/>
-          </p:nvSpPr>
-          <p:spPr>
-            <a:xfrm>
-              <a:off x="7981371" y="2968461"/>
-              <a:ext cx="2224808" cy="369332"/>
-            </a:xfrm>
-            <a:prstGeom prst="rect">
-              <a:avLst/>
-            </a:prstGeom>
-            <a:noFill/>
-            <a:ln w="38100">
-              <a:solidFill>
-                <a:schemeClr val="tx1"/>
-              </a:solidFill>
-            </a:ln>
-          </p:spPr>
-          <p:txBody>
-            <a:bodyPr wrap="square" rtlCol="0">
-              <a:spAutoFit/>
-            </a:bodyPr>
-            <a:lstStyle/>
-            <a:p>
-              <a:r>
-                <a:rPr lang="ko-KR" altLang="en-US" b="1" dirty="0"/>
-                <a:t>분석결과 </a:t>
-              </a:r>
-              <a:r>
-                <a:rPr lang="en-US" altLang="ko-KR" b="1" dirty="0"/>
-                <a:t>DB</a:t>
-              </a:r>
-            </a:p>
-          </p:txBody>
-        </p:sp>
-        <p:sp>
-          <p:nvSpPr>
-            <p:cNvPr id="17" name="TextBox 16">
-              <a:extLst>
-                <a:ext uri="{FF2B5EF4-FFF2-40B4-BE49-F238E27FC236}">
-                  <a16:creationId xmlns:a16="http://schemas.microsoft.com/office/drawing/2014/main" id="{AD9908C7-5BE0-4632-AE50-1C1E936A086C}"/>
-                </a:ext>
-              </a:extLst>
-            </p:cNvPr>
-            <p:cNvSpPr txBox="1"/>
-            <p:nvPr/>
-          </p:nvSpPr>
-          <p:spPr>
-            <a:xfrm>
-              <a:off x="7981371" y="3335542"/>
-              <a:ext cx="2224808" cy="923330"/>
-            </a:xfrm>
-            <a:prstGeom prst="rect">
-              <a:avLst/>
-            </a:prstGeom>
-            <a:noFill/>
-            <a:ln w="38100">
-              <a:solidFill>
-                <a:schemeClr val="tx1"/>
-              </a:solidFill>
-            </a:ln>
-          </p:spPr>
-          <p:txBody>
-            <a:bodyPr wrap="square" rtlCol="0">
-              <a:spAutoFit/>
-            </a:bodyPr>
-            <a:lstStyle/>
-            <a:p>
-              <a:r>
-                <a:rPr lang="en-US" altLang="ko-KR" b="1" dirty="0" err="1">
-                  <a:solidFill>
-                    <a:srgbClr val="FF0000"/>
-                  </a:solidFill>
-                </a:rPr>
-                <a:t>Result_ID</a:t>
-              </a:r>
-              <a:r>
-                <a:rPr lang="en-US" altLang="ko-KR" b="1" dirty="0">
-                  <a:solidFill>
-                    <a:srgbClr val="FF0000"/>
-                  </a:solidFill>
-                </a:rPr>
-                <a:t>(PK)</a:t>
-              </a:r>
-            </a:p>
-            <a:p>
-              <a:r>
-                <a:rPr lang="en-US" altLang="ko-KR" b="1" dirty="0" err="1"/>
-                <a:t>Instruction_ID</a:t>
-              </a:r>
-              <a:r>
-                <a:rPr lang="en-US" altLang="ko-KR" b="1" dirty="0"/>
-                <a:t>(FK)</a:t>
-              </a:r>
-            </a:p>
-            <a:p>
-              <a:r>
-                <a:rPr lang="en-US" altLang="ko-KR" b="1" dirty="0"/>
-                <a:t>Result</a:t>
-              </a:r>
-            </a:p>
-          </p:txBody>
-        </p:sp>
-      </p:grpSp>
-      <p:grpSp>
-        <p:nvGrpSpPr>
-          <p:cNvPr id="23" name="그룹 22">
-            <a:extLst>
-              <a:ext uri="{FF2B5EF4-FFF2-40B4-BE49-F238E27FC236}">
-                <a16:creationId xmlns:a16="http://schemas.microsoft.com/office/drawing/2014/main" id="{7DFFEAA7-31F0-4DC2-B354-4DED81DDFB4E}"/>
-              </a:ext>
-            </a:extLst>
-          </p:cNvPr>
-          <p:cNvGrpSpPr/>
-          <p:nvPr/>
-        </p:nvGrpSpPr>
-        <p:grpSpPr>
-          <a:xfrm>
-            <a:off x="986410" y="3718776"/>
-            <a:ext cx="2381827" cy="738664"/>
-            <a:chOff x="7981371" y="3949712"/>
-            <a:chExt cx="2224808" cy="738664"/>
-          </a:xfrm>
-        </p:grpSpPr>
-        <p:sp>
-          <p:nvSpPr>
-            <p:cNvPr id="14" name="TextBox 13">
-              <a:extLst>
-                <a:ext uri="{FF2B5EF4-FFF2-40B4-BE49-F238E27FC236}">
-                  <a16:creationId xmlns:a16="http://schemas.microsoft.com/office/drawing/2014/main" id="{F35A1179-FD02-4309-8D14-D523E1F2668D}"/>
-                </a:ext>
-              </a:extLst>
-            </p:cNvPr>
-            <p:cNvSpPr txBox="1"/>
-            <p:nvPr/>
-          </p:nvSpPr>
-          <p:spPr>
-            <a:xfrm>
-              <a:off x="7981371" y="3949712"/>
-              <a:ext cx="2224808" cy="369332"/>
-            </a:xfrm>
-            <a:prstGeom prst="rect">
-              <a:avLst/>
-            </a:prstGeom>
-            <a:noFill/>
-            <a:ln w="38100">
-              <a:solidFill>
-                <a:schemeClr val="tx1"/>
-              </a:solidFill>
-            </a:ln>
-          </p:spPr>
-          <p:txBody>
-            <a:bodyPr wrap="square" rtlCol="0">
-              <a:spAutoFit/>
-            </a:bodyPr>
-            <a:lstStyle/>
-            <a:p>
-              <a:r>
-                <a:rPr lang="ko-KR" altLang="en-US" b="1" dirty="0"/>
-                <a:t>게시판 </a:t>
-              </a:r>
-              <a:r>
-                <a:rPr lang="en-US" altLang="ko-KR" b="1" dirty="0"/>
-                <a:t>DB</a:t>
-              </a:r>
-            </a:p>
-          </p:txBody>
-        </p:sp>
-        <p:sp>
-          <p:nvSpPr>
-            <p:cNvPr id="19" name="TextBox 18">
-              <a:extLst>
-                <a:ext uri="{FF2B5EF4-FFF2-40B4-BE49-F238E27FC236}">
-                  <a16:creationId xmlns:a16="http://schemas.microsoft.com/office/drawing/2014/main" id="{6B62D912-B728-4403-A3E0-F54D83074DF8}"/>
-                </a:ext>
-              </a:extLst>
-            </p:cNvPr>
-            <p:cNvSpPr txBox="1"/>
-            <p:nvPr/>
-          </p:nvSpPr>
-          <p:spPr>
-            <a:xfrm>
-              <a:off x="7981371" y="4319044"/>
-              <a:ext cx="2224808" cy="369332"/>
-            </a:xfrm>
-            <a:prstGeom prst="rect">
-              <a:avLst/>
-            </a:prstGeom>
-            <a:noFill/>
-            <a:ln w="38100">
-              <a:solidFill>
-                <a:schemeClr val="tx1"/>
-              </a:solidFill>
-            </a:ln>
-          </p:spPr>
-          <p:txBody>
-            <a:bodyPr wrap="square" rtlCol="0">
-              <a:spAutoFit/>
-            </a:bodyPr>
-            <a:lstStyle/>
-            <a:p>
-              <a:endParaRPr lang="en-US" altLang="ko-KR" b="1" dirty="0"/>
-            </a:p>
-          </p:txBody>
-        </p:sp>
-      </p:grpSp>
-      <p:cxnSp>
-        <p:nvCxnSpPr>
-          <p:cNvPr id="26" name="연결선: 꺾임 25">
-            <a:extLst>
-              <a:ext uri="{FF2B5EF4-FFF2-40B4-BE49-F238E27FC236}">
-                <a16:creationId xmlns:a16="http://schemas.microsoft.com/office/drawing/2014/main" id="{CF95D234-30B4-4ADD-A669-9E55E350E4CE}"/>
-              </a:ext>
-            </a:extLst>
-          </p:cNvPr>
-          <p:cNvCxnSpPr>
-            <a:cxnSpLocks/>
-            <a:stCxn id="5" idx="3"/>
-            <a:endCxn id="2" idx="1"/>
           </p:cNvCxnSpPr>
           <p:nvPr/>
         </p:nvCxnSpPr>
         <p:spPr>
           <a:xfrm>
-            <a:off x="2586181" y="992448"/>
-            <a:ext cx="738338" cy="683369"/>
+            <a:off x="8826512" y="983320"/>
+            <a:ext cx="738338" cy="1"/>
           </a:xfrm>
           <a:prstGeom prst="bentConnector3">
             <a:avLst>
@@ -5188,10 +4219,10 @@
       </p:cxnSp>
       <p:grpSp>
         <p:nvGrpSpPr>
-          <p:cNvPr id="30" name="그룹 29">
-            <a:extLst>
-              <a:ext uri="{FF2B5EF4-FFF2-40B4-BE49-F238E27FC236}">
-                <a16:creationId xmlns:a16="http://schemas.microsoft.com/office/drawing/2014/main" id="{86588F92-B194-4C72-AA59-CE180019A9F3}"/>
+          <p:cNvPr id="33" name="그룹 32">
+            <a:extLst>
+              <a:ext uri="{FF2B5EF4-FFF2-40B4-BE49-F238E27FC236}">
+                <a16:creationId xmlns:a16="http://schemas.microsoft.com/office/drawing/2014/main" id="{E23A14AB-1B05-496F-A219-7247C558B5C3}"/>
               </a:ext>
             </a:extLst>
           </p:cNvPr>
@@ -5200,18 +4231,18 @@
         </p:nvGrpSpPr>
         <p:grpSpPr>
           <a:xfrm>
-            <a:off x="9564850" y="290822"/>
-            <a:ext cx="2381829" cy="1015663"/>
-            <a:chOff x="7981371" y="1005959"/>
+            <a:off x="9564851" y="290822"/>
+            <a:ext cx="2381827" cy="1015663"/>
+            <a:chOff x="7981371" y="1987210"/>
             <a:chExt cx="2224808" cy="1015663"/>
           </a:xfrm>
         </p:grpSpPr>
         <p:sp>
           <p:nvSpPr>
-            <p:cNvPr id="31" name="TextBox 30">
+            <p:cNvPr id="34" name="TextBox 33">
               <a:extLst>
                 <a:ext uri="{FF2B5EF4-FFF2-40B4-BE49-F238E27FC236}">
-                  <a16:creationId xmlns:a16="http://schemas.microsoft.com/office/drawing/2014/main" id="{AC51FAD3-A513-4403-B79D-03C3914BAF57}"/>
+                  <a16:creationId xmlns:a16="http://schemas.microsoft.com/office/drawing/2014/main" id="{D29E6D3F-3B4D-4700-B5CB-CD527D2C2043}"/>
                 </a:ext>
               </a:extLst>
             </p:cNvPr>
@@ -5220,7 +4251,7 @@
           </p:nvSpPr>
           <p:spPr>
             <a:xfrm>
-              <a:off x="7981371" y="1005959"/>
+              <a:off x="7981371" y="1987210"/>
               <a:ext cx="2224808" cy="369332"/>
             </a:xfrm>
             <a:prstGeom prst="rect">
@@ -5241,7 +4272,7 @@
             <a:p>
               <a:r>
                 <a:rPr lang="ko-KR" altLang="en-US" b="1" dirty="0"/>
-                <a:t>직무 </a:t>
+                <a:t>회사 키워드 </a:t>
               </a:r>
               <a:r>
                 <a:rPr lang="en-US" altLang="ko-KR" b="1" dirty="0"/>
@@ -5252,10 +4283,10 @@
         </p:sp>
         <p:sp>
           <p:nvSpPr>
-            <p:cNvPr id="32" name="TextBox 31">
+            <p:cNvPr id="35" name="TextBox 34">
               <a:extLst>
                 <a:ext uri="{FF2B5EF4-FFF2-40B4-BE49-F238E27FC236}">
-                  <a16:creationId xmlns:a16="http://schemas.microsoft.com/office/drawing/2014/main" id="{DEF0C0B7-65BD-4BA8-A11C-2AA82F3BE296}"/>
+                  <a16:creationId xmlns:a16="http://schemas.microsoft.com/office/drawing/2014/main" id="{E8B470E8-0911-48D8-8545-D2EF335C689F}"/>
                 </a:ext>
               </a:extLst>
             </p:cNvPr>
@@ -5264,7 +4295,7 @@
           </p:nvSpPr>
           <p:spPr>
             <a:xfrm>
-              <a:off x="7981371" y="1375291"/>
+              <a:off x="7981371" y="2356542"/>
               <a:ext cx="2224808" cy="646331"/>
             </a:xfrm>
             <a:prstGeom prst="rect">
@@ -5289,7 +4320,7 @@
                     <a:srgbClr val="FF0000"/>
                   </a:solidFill>
                 </a:rPr>
-                <a:t>Department_ID</a:t>
+                <a:t>Company_ID</a:t>
               </a:r>
               <a:r>
                 <a:rPr lang="en-US" altLang="ko-KR" b="1" dirty="0">
@@ -5297,13 +4328,443 @@
                     <a:srgbClr val="FF0000"/>
                   </a:solidFill>
                 </a:rPr>
-                <a:t>(PK)</a:t>
+                <a:t>(FPK)</a:t>
               </a:r>
             </a:p>
             <a:p>
               <a:r>
-                <a:rPr lang="en-US" altLang="ko-KR" b="1" dirty="0" err="1"/>
-                <a:t>Department_Name</a:t>
+                <a:rPr lang="en-US" altLang="ko-KR" b="1" dirty="0">
+                  <a:solidFill>
+                    <a:srgbClr val="FF0000"/>
+                  </a:solidFill>
+                </a:rPr>
+                <a:t>Keyword(PK)</a:t>
+              </a:r>
+            </a:p>
+          </p:txBody>
+        </p:sp>
+      </p:grpSp>
+      <p:grpSp>
+        <p:nvGrpSpPr>
+          <p:cNvPr id="36" name="그룹 35">
+            <a:extLst>
+              <a:ext uri="{FF2B5EF4-FFF2-40B4-BE49-F238E27FC236}">
+                <a16:creationId xmlns:a16="http://schemas.microsoft.com/office/drawing/2014/main" id="{58D9DD55-E8F2-4860-AEAC-2A84581FA80C}"/>
+              </a:ext>
+            </a:extLst>
+          </p:cNvPr>
+          <p:cNvGrpSpPr/>
+          <p:nvPr/>
+        </p:nvGrpSpPr>
+        <p:grpSpPr>
+          <a:xfrm>
+            <a:off x="6444684" y="1673566"/>
+            <a:ext cx="2381827" cy="1015663"/>
+            <a:chOff x="7981371" y="1987210"/>
+            <a:chExt cx="2224808" cy="1015663"/>
+          </a:xfrm>
+        </p:grpSpPr>
+        <p:sp>
+          <p:nvSpPr>
+            <p:cNvPr id="37" name="TextBox 36">
+              <a:extLst>
+                <a:ext uri="{FF2B5EF4-FFF2-40B4-BE49-F238E27FC236}">
+                  <a16:creationId xmlns:a16="http://schemas.microsoft.com/office/drawing/2014/main" id="{8F238369-38AB-42EC-A02E-17BCBA0C4613}"/>
+                </a:ext>
+              </a:extLst>
+            </p:cNvPr>
+            <p:cNvSpPr txBox="1"/>
+            <p:nvPr/>
+          </p:nvSpPr>
+          <p:spPr>
+            <a:xfrm>
+              <a:off x="7981371" y="1987210"/>
+              <a:ext cx="2224808" cy="369332"/>
+            </a:xfrm>
+            <a:prstGeom prst="rect">
+              <a:avLst/>
+            </a:prstGeom>
+            <a:noFill/>
+            <a:ln w="38100">
+              <a:solidFill>
+                <a:schemeClr val="tx1"/>
+              </a:solidFill>
+            </a:ln>
+          </p:spPr>
+          <p:txBody>
+            <a:bodyPr wrap="square" rtlCol="0">
+              <a:spAutoFit/>
+            </a:bodyPr>
+            <a:lstStyle/>
+            <a:p>
+              <a:r>
+                <a:rPr lang="ko-KR" altLang="en-US" b="1" dirty="0"/>
+                <a:t>사용자 키워드 </a:t>
+              </a:r>
+              <a:r>
+                <a:rPr lang="en-US" altLang="ko-KR" b="1" dirty="0"/>
+                <a:t>DB</a:t>
+              </a:r>
+            </a:p>
+          </p:txBody>
+        </p:sp>
+        <p:sp>
+          <p:nvSpPr>
+            <p:cNvPr id="38" name="TextBox 37">
+              <a:extLst>
+                <a:ext uri="{FF2B5EF4-FFF2-40B4-BE49-F238E27FC236}">
+                  <a16:creationId xmlns:a16="http://schemas.microsoft.com/office/drawing/2014/main" id="{62296F03-69A0-4EAA-B17A-2D92D65FC1E1}"/>
+                </a:ext>
+              </a:extLst>
+            </p:cNvPr>
+            <p:cNvSpPr txBox="1"/>
+            <p:nvPr/>
+          </p:nvSpPr>
+          <p:spPr>
+            <a:xfrm>
+              <a:off x="7981371" y="2356542"/>
+              <a:ext cx="2224808" cy="646331"/>
+            </a:xfrm>
+            <a:prstGeom prst="rect">
+              <a:avLst/>
+            </a:prstGeom>
+            <a:noFill/>
+            <a:ln w="38100">
+              <a:solidFill>
+                <a:schemeClr val="tx1"/>
+              </a:solidFill>
+            </a:ln>
+          </p:spPr>
+          <p:txBody>
+            <a:bodyPr wrap="square" rtlCol="0">
+              <a:spAutoFit/>
+            </a:bodyPr>
+            <a:lstStyle/>
+            <a:p>
+              <a:r>
+                <a:rPr lang="en-US" altLang="ko-KR" b="1" dirty="0" err="1">
+                  <a:solidFill>
+                    <a:srgbClr val="FF0000"/>
+                  </a:solidFill>
+                </a:rPr>
+                <a:t>Instruction_ID</a:t>
+              </a:r>
+              <a:r>
+                <a:rPr lang="en-US" altLang="ko-KR" b="1" dirty="0">
+                  <a:solidFill>
+                    <a:srgbClr val="FF0000"/>
+                  </a:solidFill>
+                </a:rPr>
+                <a:t>(FPK)</a:t>
+              </a:r>
+            </a:p>
+            <a:p>
+              <a:r>
+                <a:rPr lang="en-US" altLang="ko-KR" b="1" dirty="0">
+                  <a:solidFill>
+                    <a:srgbClr val="FF0000"/>
+                  </a:solidFill>
+                </a:rPr>
+                <a:t>Keyword(PK)</a:t>
+              </a:r>
+            </a:p>
+          </p:txBody>
+        </p:sp>
+      </p:grpSp>
+      <p:cxnSp>
+        <p:nvCxnSpPr>
+          <p:cNvPr id="39" name="연결선: 꺾임 38">
+            <a:extLst>
+              <a:ext uri="{FF2B5EF4-FFF2-40B4-BE49-F238E27FC236}">
+                <a16:creationId xmlns:a16="http://schemas.microsoft.com/office/drawing/2014/main" id="{D7675877-E498-4EAF-9F5C-9208445D818D}"/>
+              </a:ext>
+            </a:extLst>
+          </p:cNvPr>
+          <p:cNvCxnSpPr>
+            <a:cxnSpLocks/>
+            <a:endCxn id="38" idx="1"/>
+          </p:cNvCxnSpPr>
+          <p:nvPr/>
+        </p:nvCxnSpPr>
+        <p:spPr>
+          <a:xfrm rot="16200000" flipH="1">
+            <a:off x="5596454" y="1517834"/>
+            <a:ext cx="958120" cy="738339"/>
+          </a:xfrm>
+          <a:prstGeom prst="bentConnector2">
+            <a:avLst/>
+          </a:prstGeom>
+          <a:ln w="25400">
+            <a:solidFill>
+              <a:schemeClr val="tx1"/>
+            </a:solidFill>
+            <a:tailEnd type="triangle"/>
+          </a:ln>
+        </p:spPr>
+        <p:style>
+          <a:lnRef idx="1">
+            <a:schemeClr val="accent1"/>
+          </a:lnRef>
+          <a:fillRef idx="0">
+            <a:schemeClr val="accent1"/>
+          </a:fillRef>
+          <a:effectRef idx="0">
+            <a:schemeClr val="accent1"/>
+          </a:effectRef>
+          <a:fontRef idx="minor">
+            <a:schemeClr val="tx1"/>
+          </a:fontRef>
+        </p:style>
+      </p:cxnSp>
+      <p:grpSp>
+        <p:nvGrpSpPr>
+          <p:cNvPr id="40" name="그룹 39">
+            <a:extLst>
+              <a:ext uri="{FF2B5EF4-FFF2-40B4-BE49-F238E27FC236}">
+                <a16:creationId xmlns:a16="http://schemas.microsoft.com/office/drawing/2014/main" id="{474DDC53-531B-4BD2-BF35-A36E9BA1BDB7}"/>
+              </a:ext>
+            </a:extLst>
+          </p:cNvPr>
+          <p:cNvGrpSpPr/>
+          <p:nvPr/>
+        </p:nvGrpSpPr>
+        <p:grpSpPr>
+          <a:xfrm>
+            <a:off x="8496731" y="3802168"/>
+            <a:ext cx="2381827" cy="1015663"/>
+            <a:chOff x="7981371" y="1987210"/>
+            <a:chExt cx="2224808" cy="1015663"/>
+          </a:xfrm>
+        </p:grpSpPr>
+        <p:sp>
+          <p:nvSpPr>
+            <p:cNvPr id="41" name="TextBox 40">
+              <a:extLst>
+                <a:ext uri="{FF2B5EF4-FFF2-40B4-BE49-F238E27FC236}">
+                  <a16:creationId xmlns:a16="http://schemas.microsoft.com/office/drawing/2014/main" id="{86E98ECB-02BD-46F2-A82D-892A10044DDB}"/>
+                </a:ext>
+              </a:extLst>
+            </p:cNvPr>
+            <p:cNvSpPr txBox="1"/>
+            <p:nvPr/>
+          </p:nvSpPr>
+          <p:spPr>
+            <a:xfrm>
+              <a:off x="7981371" y="1987210"/>
+              <a:ext cx="2224808" cy="369332"/>
+            </a:xfrm>
+            <a:prstGeom prst="rect">
+              <a:avLst/>
+            </a:prstGeom>
+            <a:noFill/>
+            <a:ln w="38100">
+              <a:solidFill>
+                <a:schemeClr val="tx1"/>
+              </a:solidFill>
+            </a:ln>
+          </p:spPr>
+          <p:txBody>
+            <a:bodyPr wrap="square" rtlCol="0">
+              <a:spAutoFit/>
+            </a:bodyPr>
+            <a:lstStyle/>
+            <a:p>
+              <a:r>
+                <a:rPr lang="ko-KR" altLang="en-US" b="1" dirty="0"/>
+                <a:t>추천 키워드 </a:t>
+              </a:r>
+              <a:r>
+                <a:rPr lang="en-US" altLang="ko-KR" b="1" dirty="0"/>
+                <a:t>DB</a:t>
+              </a:r>
+            </a:p>
+          </p:txBody>
+        </p:sp>
+        <p:sp>
+          <p:nvSpPr>
+            <p:cNvPr id="43" name="TextBox 42">
+              <a:extLst>
+                <a:ext uri="{FF2B5EF4-FFF2-40B4-BE49-F238E27FC236}">
+                  <a16:creationId xmlns:a16="http://schemas.microsoft.com/office/drawing/2014/main" id="{CDBCF514-786E-4FDC-A670-C9E6D9F72A89}"/>
+                </a:ext>
+              </a:extLst>
+            </p:cNvPr>
+            <p:cNvSpPr txBox="1"/>
+            <p:nvPr/>
+          </p:nvSpPr>
+          <p:spPr>
+            <a:xfrm>
+              <a:off x="7981371" y="2356542"/>
+              <a:ext cx="2224808" cy="646331"/>
+            </a:xfrm>
+            <a:prstGeom prst="rect">
+              <a:avLst/>
+            </a:prstGeom>
+            <a:noFill/>
+            <a:ln w="38100">
+              <a:solidFill>
+                <a:schemeClr val="tx1"/>
+              </a:solidFill>
+            </a:ln>
+          </p:spPr>
+          <p:txBody>
+            <a:bodyPr wrap="square" rtlCol="0">
+              <a:spAutoFit/>
+            </a:bodyPr>
+            <a:lstStyle/>
+            <a:p>
+              <a:r>
+                <a:rPr lang="en-US" altLang="ko-KR" b="1" dirty="0" err="1">
+                  <a:solidFill>
+                    <a:srgbClr val="FF0000"/>
+                  </a:solidFill>
+                </a:rPr>
+                <a:t>Instruction_ID</a:t>
+              </a:r>
+              <a:r>
+                <a:rPr lang="en-US" altLang="ko-KR" b="1" dirty="0">
+                  <a:solidFill>
+                    <a:srgbClr val="FF0000"/>
+                  </a:solidFill>
+                </a:rPr>
+                <a:t>(FPK)</a:t>
+              </a:r>
+            </a:p>
+            <a:p>
+              <a:r>
+                <a:rPr lang="en-US" altLang="ko-KR" b="1" dirty="0">
+                  <a:solidFill>
+                    <a:srgbClr val="FF0000"/>
+                  </a:solidFill>
+                </a:rPr>
+                <a:t>Keyword(PK)</a:t>
+              </a:r>
+            </a:p>
+          </p:txBody>
+        </p:sp>
+      </p:grpSp>
+      <p:grpSp>
+        <p:nvGrpSpPr>
+          <p:cNvPr id="51" name="그룹 50">
+            <a:extLst>
+              <a:ext uri="{FF2B5EF4-FFF2-40B4-BE49-F238E27FC236}">
+                <a16:creationId xmlns:a16="http://schemas.microsoft.com/office/drawing/2014/main" id="{0B516480-3315-42DF-BB4D-D33D5F0B1EEF}"/>
+              </a:ext>
+            </a:extLst>
+          </p:cNvPr>
+          <p:cNvGrpSpPr/>
+          <p:nvPr/>
+        </p:nvGrpSpPr>
+        <p:grpSpPr>
+          <a:xfrm>
+            <a:off x="5639202" y="2971171"/>
+            <a:ext cx="2381827" cy="1015663"/>
+            <a:chOff x="7981371" y="1987210"/>
+            <a:chExt cx="2224808" cy="1015663"/>
+          </a:xfrm>
+        </p:grpSpPr>
+        <p:sp>
+          <p:nvSpPr>
+            <p:cNvPr id="52" name="TextBox 51">
+              <a:extLst>
+                <a:ext uri="{FF2B5EF4-FFF2-40B4-BE49-F238E27FC236}">
+                  <a16:creationId xmlns:a16="http://schemas.microsoft.com/office/drawing/2014/main" id="{A7A75B91-92E1-4315-B3C0-31F7996B575F}"/>
+                </a:ext>
+              </a:extLst>
+            </p:cNvPr>
+            <p:cNvSpPr txBox="1"/>
+            <p:nvPr/>
+          </p:nvSpPr>
+          <p:spPr>
+            <a:xfrm>
+              <a:off x="7981371" y="1987210"/>
+              <a:ext cx="2224808" cy="369332"/>
+            </a:xfrm>
+            <a:prstGeom prst="rect">
+              <a:avLst/>
+            </a:prstGeom>
+            <a:noFill/>
+            <a:ln w="38100">
+              <a:solidFill>
+                <a:schemeClr val="tx1"/>
+              </a:solidFill>
+            </a:ln>
+          </p:spPr>
+          <p:txBody>
+            <a:bodyPr wrap="square" rtlCol="0">
+              <a:spAutoFit/>
+            </a:bodyPr>
+            <a:lstStyle/>
+            <a:p>
+              <a:r>
+                <a:rPr lang="ko-KR" altLang="en-US" b="1" dirty="0" err="1"/>
+                <a:t>전처리</a:t>
+              </a:r>
+              <a:r>
+                <a:rPr lang="ko-KR" altLang="en-US" b="1" dirty="0"/>
+                <a:t> </a:t>
+              </a:r>
+              <a:r>
+                <a:rPr lang="en-US" altLang="ko-KR" b="1" dirty="0"/>
+                <a:t>DB</a:t>
+              </a:r>
+            </a:p>
+          </p:txBody>
+        </p:sp>
+        <p:sp>
+          <p:nvSpPr>
+            <p:cNvPr id="53" name="TextBox 52">
+              <a:extLst>
+                <a:ext uri="{FF2B5EF4-FFF2-40B4-BE49-F238E27FC236}">
+                  <a16:creationId xmlns:a16="http://schemas.microsoft.com/office/drawing/2014/main" id="{2F9EABAF-BCA5-46E2-8BE9-5E69C14F0C0A}"/>
+                </a:ext>
+              </a:extLst>
+            </p:cNvPr>
+            <p:cNvSpPr txBox="1"/>
+            <p:nvPr/>
+          </p:nvSpPr>
+          <p:spPr>
+            <a:xfrm>
+              <a:off x="7981371" y="2356542"/>
+              <a:ext cx="2224808" cy="646331"/>
+            </a:xfrm>
+            <a:prstGeom prst="rect">
+              <a:avLst/>
+            </a:prstGeom>
+            <a:noFill/>
+            <a:ln w="38100">
+              <a:solidFill>
+                <a:schemeClr val="tx1"/>
+              </a:solidFill>
+            </a:ln>
+          </p:spPr>
+          <p:txBody>
+            <a:bodyPr wrap="square" rtlCol="0">
+              <a:spAutoFit/>
+            </a:bodyPr>
+            <a:lstStyle/>
+            <a:p>
+              <a:r>
+                <a:rPr lang="en-US" altLang="ko-KR" b="1" dirty="0" err="1">
+                  <a:solidFill>
+                    <a:srgbClr val="FF0000"/>
+                  </a:solidFill>
+                </a:rPr>
+                <a:t>Instruction_ID</a:t>
+              </a:r>
+              <a:r>
+                <a:rPr lang="en-US" altLang="ko-KR" b="1" dirty="0">
+                  <a:solidFill>
+                    <a:srgbClr val="FF0000"/>
+                  </a:solidFill>
+                </a:rPr>
+                <a:t>(FPK)</a:t>
+              </a:r>
+            </a:p>
+            <a:p>
+              <a:r>
+                <a:rPr lang="ko-KR" altLang="en-US" b="1" dirty="0"/>
+                <a:t>전처리데이터</a:t>
               </a:r>
               <a:endParaRPr lang="en-US" altLang="ko-KR" b="1" dirty="0"/>
             </a:p>
@@ -5312,29 +4773,27 @@
       </p:grpSp>
       <p:cxnSp>
         <p:nvCxnSpPr>
-          <p:cNvPr id="42" name="연결선: 꺾임 41">
-            <a:extLst>
-              <a:ext uri="{FF2B5EF4-FFF2-40B4-BE49-F238E27FC236}">
-                <a16:creationId xmlns:a16="http://schemas.microsoft.com/office/drawing/2014/main" id="{1A25BBEB-4313-4A69-A56B-3B8D97D9C24D}"/>
+          <p:cNvPr id="54" name="연결선: 꺾임 53">
+            <a:extLst>
+              <a:ext uri="{FF2B5EF4-FFF2-40B4-BE49-F238E27FC236}">
+                <a16:creationId xmlns:a16="http://schemas.microsoft.com/office/drawing/2014/main" id="{A7F921ED-6E96-4D2A-AF6D-C93AF540E52E}"/>
               </a:ext>
             </a:extLst>
           </p:cNvPr>
           <p:cNvCxnSpPr>
             <a:cxnSpLocks/>
-            <a:stCxn id="2" idx="3"/>
-            <a:endCxn id="7" idx="1"/>
+            <a:stCxn id="2" idx="2"/>
+            <a:endCxn id="53" idx="1"/>
           </p:cNvCxnSpPr>
           <p:nvPr/>
         </p:nvCxnSpPr>
         <p:spPr>
-          <a:xfrm flipV="1">
-            <a:off x="5706346" y="1121819"/>
-            <a:ext cx="738338" cy="553998"/>
+          <a:xfrm rot="16200000" flipH="1">
+            <a:off x="4452723" y="2477189"/>
+            <a:ext cx="1249189" cy="1123769"/>
           </a:xfrm>
-          <a:prstGeom prst="bentConnector3">
-            <a:avLst>
-              <a:gd name="adj1" fmla="val 50000"/>
-            </a:avLst>
+          <a:prstGeom prst="bentConnector2">
+            <a:avLst/>
           </a:prstGeom>
           <a:ln w="25400">
             <a:solidFill>
@@ -5360,29 +4819,27 @@
       </p:cxnSp>
       <p:cxnSp>
         <p:nvCxnSpPr>
-          <p:cNvPr id="45" name="연결선: 꺾임 44">
-            <a:extLst>
-              <a:ext uri="{FF2B5EF4-FFF2-40B4-BE49-F238E27FC236}">
-                <a16:creationId xmlns:a16="http://schemas.microsoft.com/office/drawing/2014/main" id="{B739B5B2-BCBC-4360-84D0-28DEFD0A2135}"/>
+          <p:cNvPr id="57" name="연결선: 꺾임 56">
+            <a:extLst>
+              <a:ext uri="{FF2B5EF4-FFF2-40B4-BE49-F238E27FC236}">
+                <a16:creationId xmlns:a16="http://schemas.microsoft.com/office/drawing/2014/main" id="{2931972F-F957-47C7-B6C4-FA2078D5ED93}"/>
               </a:ext>
             </a:extLst>
           </p:cNvPr>
           <p:cNvCxnSpPr>
             <a:cxnSpLocks/>
-            <a:stCxn id="7" idx="3"/>
-            <a:endCxn id="32" idx="1"/>
+            <a:stCxn id="2" idx="2"/>
+            <a:endCxn id="43" idx="1"/>
           </p:cNvCxnSpPr>
           <p:nvPr/>
         </p:nvCxnSpPr>
         <p:spPr>
-          <a:xfrm flipV="1">
-            <a:off x="8826512" y="983320"/>
-            <a:ext cx="738338" cy="138499"/>
+          <a:xfrm rot="16200000" flipH="1">
+            <a:off x="5465989" y="1463924"/>
+            <a:ext cx="2080186" cy="3981298"/>
           </a:xfrm>
-          <a:prstGeom prst="bentConnector3">
-            <a:avLst>
-              <a:gd name="adj1" fmla="val 50000"/>
-            </a:avLst>
+          <a:prstGeom prst="bentConnector2">
+            <a:avLst/>
           </a:prstGeom>
           <a:ln w="25400">
             <a:solidFill>
@@ -5406,10 +4863,98 @@
           </a:fontRef>
         </p:style>
       </p:cxnSp>
+      <p:cxnSp>
+        <p:nvCxnSpPr>
+          <p:cNvPr id="60" name="연결선: 꺾임 59">
+            <a:extLst>
+              <a:ext uri="{FF2B5EF4-FFF2-40B4-BE49-F238E27FC236}">
+                <a16:creationId xmlns:a16="http://schemas.microsoft.com/office/drawing/2014/main" id="{3EEEB9BF-58A9-4307-88F5-30FC91FCEB10}"/>
+              </a:ext>
+            </a:extLst>
+          </p:cNvPr>
+          <p:cNvCxnSpPr>
+            <a:cxnSpLocks/>
+            <a:stCxn id="2" idx="2"/>
+            <a:endCxn id="17" idx="1"/>
+          </p:cNvCxnSpPr>
+          <p:nvPr/>
+        </p:nvCxnSpPr>
+        <p:spPr>
+          <a:xfrm rot="16200000" flipH="1">
+            <a:off x="3307750" y="3622163"/>
+            <a:ext cx="3387387" cy="972020"/>
+          </a:xfrm>
+          <a:prstGeom prst="bentConnector2">
+            <a:avLst/>
+          </a:prstGeom>
+          <a:ln w="25400">
+            <a:solidFill>
+              <a:schemeClr val="tx1"/>
+            </a:solidFill>
+            <a:tailEnd type="triangle"/>
+          </a:ln>
+        </p:spPr>
+        <p:style>
+          <a:lnRef idx="1">
+            <a:schemeClr val="accent1"/>
+          </a:lnRef>
+          <a:fillRef idx="0">
+            <a:schemeClr val="accent1"/>
+          </a:fillRef>
+          <a:effectRef idx="0">
+            <a:schemeClr val="accent1"/>
+          </a:effectRef>
+          <a:fontRef idx="minor">
+            <a:schemeClr val="tx1"/>
+          </a:fontRef>
+        </p:style>
+      </p:cxnSp>
+      <p:cxnSp>
+        <p:nvCxnSpPr>
+          <p:cNvPr id="64" name="직선 화살표 연결선 63">
+            <a:extLst>
+              <a:ext uri="{FF2B5EF4-FFF2-40B4-BE49-F238E27FC236}">
+                <a16:creationId xmlns:a16="http://schemas.microsoft.com/office/drawing/2014/main" id="{6809F04B-84FA-4B2C-9F21-2C31E2F9B25F}"/>
+              </a:ext>
+            </a:extLst>
+          </p:cNvPr>
+          <p:cNvCxnSpPr>
+            <a:stCxn id="5" idx="2"/>
+            <a:endCxn id="14" idx="0"/>
+          </p:cNvCxnSpPr>
+          <p:nvPr/>
+        </p:nvCxnSpPr>
+        <p:spPr>
+          <a:xfrm flipH="1">
+            <a:off x="1395267" y="3254605"/>
+            <a:ext cx="1" cy="853568"/>
+          </a:xfrm>
+          <a:prstGeom prst="straightConnector1">
+            <a:avLst/>
+          </a:prstGeom>
+          <a:ln w="25400">
+            <a:tailEnd type="triangle"/>
+          </a:ln>
+        </p:spPr>
+        <p:style>
+          <a:lnRef idx="1">
+            <a:schemeClr val="dk1"/>
+          </a:lnRef>
+          <a:fillRef idx="0">
+            <a:schemeClr val="dk1"/>
+          </a:fillRef>
+          <a:effectRef idx="0">
+            <a:schemeClr val="dk1"/>
+          </a:effectRef>
+          <a:fontRef idx="minor">
+            <a:schemeClr val="tx1"/>
+          </a:fontRef>
+        </p:style>
+      </p:cxnSp>
     </p:spTree>
     <p:extLst>
       <p:ext uri="{BB962C8B-B14F-4D97-AF65-F5344CB8AC3E}">
-        <p14:creationId xmlns:p14="http://schemas.microsoft.com/office/powerpoint/2010/main" val="2704599045"/>
+        <p14:creationId xmlns:p14="http://schemas.microsoft.com/office/powerpoint/2010/main" val="1875640532"/>
       </p:ext>
     </p:extLst>
   </p:cSld>
@@ -5419,7 +4964,7 @@
 </p:sld>
 </file>
 
-<file path=ppt/slides/slide3.xml><?xml version="1.0" encoding="utf-8"?>
+<file path=ppt/slides/slide2.xml><?xml version="1.0" encoding="utf-8"?>
 <p:sld xmlns:a="http://schemas.openxmlformats.org/drawingml/2006/main" xmlns:r="http://schemas.openxmlformats.org/officeDocument/2006/relationships" xmlns:p="http://schemas.openxmlformats.org/presentationml/2006/main">
   <p:cSld>
     <p:spTree>
